--- a/SIH_PITCH.pptx
+++ b/SIH_PITCH.pptx
@@ -2306,11 +2306,25 @@
               <a:buChar char="•"/>
             </a:pPr>
             <a:r>
-              <a:rPr lang="en-US" sz="1200" dirty="0">
+              <a:rPr lang="en-GB" sz="1200" dirty="0">
                 <a:latin typeface="Arial" pitchFamily="34" charset="0"/>
                 <a:cs typeface="Arial" pitchFamily="34" charset="0"/>
               </a:rPr>
-              <a:t>Technologies to be used (e.g. programming languages, frameworks, hardware)</a:t>
+              <a:t>Thank you </a:t>
+            </a:r>
+            <a:r>
+              <a:rPr lang="en-GB" sz="1200" dirty="0" err="1">
+                <a:latin typeface="Arial" pitchFamily="34" charset="0"/>
+                <a:cs typeface="Arial" pitchFamily="34" charset="0"/>
+              </a:rPr>
+              <a:t>Satyabrat</a:t>
+            </a:r>
+            <a:r>
+              <a:rPr lang="en-GB" sz="1200" dirty="0">
+                <a:latin typeface="Arial" pitchFamily="34" charset="0"/>
+                <a:cs typeface="Arial" pitchFamily="34" charset="0"/>
+              </a:rPr>
+              <a:t>.[show your landing page]This is TRAYA, our indigenous railway innovation platform. It combines AI precision, indigenous design and unmatched reliability to transform Indian Railways.</a:t>
             </a:r>
           </a:p>
           <a:p>
@@ -2318,13 +2332,183 @@
               <a:buFont typeface="Arial" panose="020B0604020202020204" pitchFamily="34" charset="0"/>
               <a:buChar char="•"/>
             </a:pPr>
-            <a:r>
-              <a:rPr lang="en-US" sz="1200" dirty="0">
+            <a:endParaRPr lang="en-GB" sz="1200" dirty="0">
+              <a:latin typeface="Arial" pitchFamily="34" charset="0"/>
+              <a:cs typeface="Arial" pitchFamily="34" charset="0"/>
+            </a:endParaRPr>
+          </a:p>
+          <a:p>
+            <a:pPr marL="342900" indent="-342900" algn="just">
+              <a:buFont typeface="Arial" panose="020B0604020202020204" pitchFamily="34" charset="0"/>
+              <a:buChar char="•"/>
+            </a:pPr>
+            <a:r>
+              <a:rPr lang="en-GB" sz="1200" dirty="0">
                 <a:latin typeface="Arial" pitchFamily="34" charset="0"/>
                 <a:cs typeface="Arial" pitchFamily="34" charset="0"/>
               </a:rPr>
-              <a:t>Methodology and process for implementation (Flow Charts/Images/ working prototype)</a:t>
-            </a:r>
+              <a:t>Behind this sleek interface are real-time dashboards that pull in over 10 000 data points per second from track circuits, axle counters, weather stations and telemetry. </a:t>
+            </a:r>
+          </a:p>
+          <a:p>
+            <a:pPr marL="342900" indent="-342900" algn="just">
+              <a:buFont typeface="Arial" panose="020B0604020202020204" pitchFamily="34" charset="0"/>
+              <a:buChar char="•"/>
+            </a:pPr>
+            <a:endParaRPr lang="en-GB" sz="1200" dirty="0">
+              <a:latin typeface="Arial" pitchFamily="34" charset="0"/>
+              <a:cs typeface="Arial" pitchFamily="34" charset="0"/>
+            </a:endParaRPr>
+          </a:p>
+          <a:p>
+            <a:pPr marL="342900" indent="-342900" algn="just">
+              <a:buFont typeface="Arial" panose="020B0604020202020204" pitchFamily="34" charset="0"/>
+              <a:buChar char="•"/>
+            </a:pPr>
+            <a:r>
+              <a:rPr lang="en-GB" sz="1200" dirty="0">
+                <a:latin typeface="Arial" pitchFamily="34" charset="0"/>
+                <a:cs typeface="Arial" pitchFamily="34" charset="0"/>
+              </a:rPr>
+              <a:t>Our AI engine analyses them instantly to predict </a:t>
+            </a:r>
+            <a:r>
+              <a:rPr lang="en-GB" sz="1200">
+                <a:latin typeface="Arial" pitchFamily="34" charset="0"/>
+                <a:cs typeface="Arial" pitchFamily="34" charset="0"/>
+              </a:rPr>
+              <a:t>conflicts and identify </a:t>
+            </a:r>
+            <a:r>
+              <a:rPr lang="en-GB" sz="1200" dirty="0">
+                <a:latin typeface="Arial" pitchFamily="34" charset="0"/>
+                <a:cs typeface="Arial" pitchFamily="34" charset="0"/>
+              </a:rPr>
+              <a:t>delays learning over patterns. </a:t>
+            </a:r>
+          </a:p>
+          <a:p>
+            <a:pPr marL="342900" indent="-342900" algn="just">
+              <a:buFont typeface="Arial" panose="020B0604020202020204" pitchFamily="34" charset="0"/>
+              <a:buChar char="•"/>
+            </a:pPr>
+            <a:endParaRPr lang="en-GB" sz="1200" dirty="0">
+              <a:latin typeface="Arial" pitchFamily="34" charset="0"/>
+              <a:cs typeface="Arial" pitchFamily="34" charset="0"/>
+            </a:endParaRPr>
+          </a:p>
+          <a:p>
+            <a:pPr marL="342900" indent="-342900" algn="just">
+              <a:buFont typeface="Arial" panose="020B0604020202020204" pitchFamily="34" charset="0"/>
+              <a:buChar char="•"/>
+            </a:pPr>
+            <a:r>
+              <a:rPr lang="en-GB" sz="1200" dirty="0">
+                <a:latin typeface="Arial" pitchFamily="34" charset="0"/>
+                <a:cs typeface="Arial" pitchFamily="34" charset="0"/>
+              </a:rPr>
+              <a:t>[scroll to Innovation or Benefits section]Here you can see how TRAYA is built for 25 cm accuracy with 100 % repeatability, delivering economic, passenger and environmental benefits.</a:t>
+            </a:r>
+          </a:p>
+          <a:p>
+            <a:pPr marL="342900" indent="-342900" algn="just">
+              <a:buFont typeface="Arial" panose="020B0604020202020204" pitchFamily="34" charset="0"/>
+              <a:buChar char="•"/>
+            </a:pPr>
+            <a:endParaRPr lang="en-GB" sz="1200" dirty="0">
+              <a:latin typeface="Arial" pitchFamily="34" charset="0"/>
+              <a:cs typeface="Arial" pitchFamily="34" charset="0"/>
+            </a:endParaRPr>
+          </a:p>
+          <a:p>
+            <a:pPr marL="342900" indent="-342900" algn="just">
+              <a:buFont typeface="Arial" panose="020B0604020202020204" pitchFamily="34" charset="0"/>
+              <a:buChar char="•"/>
+            </a:pPr>
+            <a:r>
+              <a:rPr lang="en-GB" sz="1200" dirty="0">
+                <a:latin typeface="Arial" pitchFamily="34" charset="0"/>
+                <a:cs typeface="Arial" pitchFamily="34" charset="0"/>
+              </a:rPr>
+              <a:t>[scroll to AI Features Panel]We’ve integrated multiple smart modules: analytics for track monitoring and predictive-maintenance AI. </a:t>
+            </a:r>
+          </a:p>
+          <a:p>
+            <a:pPr marL="342900" indent="-342900" algn="just">
+              <a:buFont typeface="Arial" panose="020B0604020202020204" pitchFamily="34" charset="0"/>
+              <a:buChar char="•"/>
+            </a:pPr>
+            <a:endParaRPr lang="en-GB" sz="1200" dirty="0">
+              <a:latin typeface="Arial" pitchFamily="34" charset="0"/>
+              <a:cs typeface="Arial" pitchFamily="34" charset="0"/>
+            </a:endParaRPr>
+          </a:p>
+          <a:p>
+            <a:pPr marL="342900" indent="-342900" algn="just">
+              <a:buFont typeface="Arial" panose="020B0604020202020204" pitchFamily="34" charset="0"/>
+              <a:buChar char="•"/>
+            </a:pPr>
+            <a:r>
+              <a:rPr lang="en-GB" sz="1200" dirty="0">
+                <a:latin typeface="Arial" pitchFamily="34" charset="0"/>
+                <a:cs typeface="Arial" pitchFamily="34" charset="0"/>
+              </a:rPr>
+              <a:t>[mention quantum ML briefly]Quantum machine learning can explore and optimise huge, constraint-heavy scheduling spaces in parallel, which grow exponentially for classical </a:t>
+            </a:r>
+            <a:r>
+              <a:rPr lang="en-GB" sz="1200" dirty="0" err="1">
+                <a:latin typeface="Arial" pitchFamily="34" charset="0"/>
+                <a:cs typeface="Arial" pitchFamily="34" charset="0"/>
+              </a:rPr>
+              <a:t>ML.This</a:t>
+            </a:r>
+            <a:r>
+              <a:rPr lang="en-GB" sz="1200" dirty="0">
+                <a:latin typeface="Arial" pitchFamily="34" charset="0"/>
+                <a:cs typeface="Arial" pitchFamily="34" charset="0"/>
+              </a:rPr>
+              <a:t> parallelism helps reach higher-quality routing and prediction solutions faster than traditional models.</a:t>
+            </a:r>
+          </a:p>
+          <a:p>
+            <a:pPr marL="342900" indent="-342900" algn="just">
+              <a:buFont typeface="Arial" panose="020B0604020202020204" pitchFamily="34" charset="0"/>
+              <a:buChar char="•"/>
+            </a:pPr>
+            <a:endParaRPr lang="en-GB" sz="1200" dirty="0">
+              <a:latin typeface="Arial" pitchFamily="34" charset="0"/>
+              <a:cs typeface="Arial" pitchFamily="34" charset="0"/>
+            </a:endParaRPr>
+          </a:p>
+          <a:p>
+            <a:pPr marL="342900" indent="-342900" algn="just">
+              <a:buFont typeface="Arial" panose="020B0604020202020204" pitchFamily="34" charset="0"/>
+              <a:buChar char="•"/>
+            </a:pPr>
+            <a:r>
+              <a:rPr lang="en-GB" sz="1200" dirty="0">
+                <a:latin typeface="Arial" pitchFamily="34" charset="0"/>
+                <a:cs typeface="Arial" pitchFamily="34" charset="0"/>
+              </a:rPr>
+              <a:t>Today our core modules run on classical ML frameworks. But in simulation we’ve compared them to a quantum-enhanced model on realistic scheduling problems. Where the classical model plateaued below 65 % accuracy, the quantum model reached 91 %, demonstrating clear potential for the next scale-up phase. </a:t>
+            </a:r>
+          </a:p>
+          <a:p>
+            <a:pPr marL="342900" indent="-342900" algn="just">
+              <a:buFont typeface="Arial" panose="020B0604020202020204" pitchFamily="34" charset="0"/>
+              <a:buChar char="•"/>
+            </a:pPr>
+            <a:r>
+              <a:rPr lang="en-GB" sz="1200" dirty="0">
+                <a:latin typeface="Arial" pitchFamily="34" charset="0"/>
+                <a:cs typeface="Arial" pitchFamily="34" charset="0"/>
+              </a:rPr>
+              <a:t>We promote the use of Quantum Machine Learning for the functioning of TRAYA, furthermore, Processed via an AI optimization engine for conflict prediction and routing. </a:t>
+            </a:r>
+            <a:endParaRPr lang="en-US" sz="1200" dirty="0">
+              <a:latin typeface="Arial" pitchFamily="34" charset="0"/>
+              <a:cs typeface="Arial" pitchFamily="34" charset="0"/>
+            </a:endParaRPr>
           </a:p>
         </p:txBody>
       </p:sp>
@@ -10248,6 +10432,37 @@
           </a:p>
         </p:txBody>
       </p:sp>
+      <p:pic>
+        <p:nvPicPr>
+          <p:cNvPr id="3" name="Picture 2">
+            <a:hlinkClick r:id="rId6"/>
+            <a:extLst>
+              <a:ext uri="{FF2B5EF4-FFF2-40B4-BE49-F238E27FC236}">
+                <a16:creationId xmlns:a16="http://schemas.microsoft.com/office/drawing/2014/main" id="{8DE59962-E4FA-8333-7C47-EEEA15DB5A6B}"/>
+              </a:ext>
+            </a:extLst>
+          </p:cNvPr>
+          <p:cNvPicPr>
+            <a:picLocks noChangeAspect="1"/>
+          </p:cNvPicPr>
+          <p:nvPr/>
+        </p:nvPicPr>
+        <p:blipFill>
+          <a:blip r:embed="rId7"/>
+          <a:stretch>
+            <a:fillRect/>
+          </a:stretch>
+        </p:blipFill>
+        <p:spPr>
+          <a:xfrm>
+            <a:off x="10871913" y="1661924"/>
+            <a:ext cx="677438" cy="677438"/>
+          </a:xfrm>
+          <a:prstGeom prst="rect">
+            <a:avLst/>
+          </a:prstGeom>
+        </p:spPr>
+      </p:pic>
     </p:spTree>
   </p:cSld>
   <p:clrMapOvr>

--- a/SIH_PITCH.pptx
+++ b/SIH_PITCH.pptx
@@ -2098,7 +2098,7 @@
       </p:grpSpPr>
       <p:sp>
         <p:nvSpPr>
-          <p:cNvPr id="16385" name="Slide Image Placeholder 1"/>
+          <p:cNvPr id="2" name="Slide Image Placeholder 1"/>
           <p:cNvSpPr>
             <a:spLocks noGrp="1" noRot="1" noChangeAspect="1"/>
           </p:cNvSpPr>
@@ -2106,25 +2106,11 @@
             <p:ph type="sldImg"/>
           </p:nvPr>
         </p:nvSpPr>
-        <p:spPr bwMode="auto">
-          <a:xfrm>
-            <a:off x="381000" y="685800"/>
-            <a:ext cx="6096000" cy="3429000"/>
-          </a:xfrm>
-          <a:noFill/>
-          <a:ln>
-            <a:solidFill>
-              <a:srgbClr val="000000"/>
-            </a:solidFill>
-            <a:miter lim="800000"/>
-            <a:headEnd/>
-            <a:tailEnd/>
-          </a:ln>
-        </p:spPr>
-      </p:sp>
-      <p:sp>
-        <p:nvSpPr>
-          <p:cNvPr id="16386" name="Notes Placeholder 2"/>
+        <p:spPr/>
+      </p:sp>
+      <p:sp>
+        <p:nvSpPr>
+          <p:cNvPr id="3" name="Notes Placeholder 2"/>
           <p:cNvSpPr>
             <a:spLocks noGrp="1"/>
           </p:cNvSpPr>
@@ -2132,70 +2118,76 @@
             <p:ph type="body" idx="1"/>
           </p:nvPr>
         </p:nvSpPr>
-        <p:spPr bwMode="auto">
-          <a:noFill/>
-        </p:spPr>
-        <p:txBody>
-          <a:bodyPr wrap="square" numCol="1" anchor="t" anchorCtr="0" compatLnSpc="1">
-            <a:prstTxWarp prst="textNoShape">
-              <a:avLst/>
-            </a:prstTxWarp>
-          </a:bodyPr>
+        <p:spPr/>
+        <p:txBody>
+          <a:bodyPr/>
           <a:lstStyle/>
           <a:p>
-            <a:pPr marL="342900" indent="-342900" algn="just">
-              <a:buFont typeface="Arial" panose="020B0604020202020204" pitchFamily="34" charset="0"/>
-              <a:buChar char="•"/>
-            </a:pPr>
-            <a:r>
-              <a:rPr lang="en-US" sz="1200" dirty="0">
-                <a:latin typeface="Arial" pitchFamily="34" charset="0"/>
-                <a:cs typeface="Arial" pitchFamily="34" charset="0"/>
-              </a:rPr>
-              <a:t>Detailed explanation of the proposed solution</a:t>
-            </a:r>
-          </a:p>
-          <a:p>
-            <a:pPr marL="342900" indent="-342900" algn="just">
-              <a:buFont typeface="Arial" panose="020B0604020202020204" pitchFamily="34" charset="0"/>
-              <a:buChar char="•"/>
-            </a:pPr>
-            <a:r>
-              <a:rPr lang="en-US" sz="1200" dirty="0">
-                <a:latin typeface="Arial" pitchFamily="34" charset="0"/>
-                <a:cs typeface="Arial" pitchFamily="34" charset="0"/>
-              </a:rPr>
-              <a:t>How it addresses the problem</a:t>
-            </a:r>
-          </a:p>
-          <a:p>
-            <a:pPr marL="342900" indent="-342900" algn="just">
-              <a:buFont typeface="Arial" panose="020B0604020202020204" pitchFamily="34" charset="0"/>
-              <a:buChar char="•"/>
-            </a:pPr>
-            <a:r>
-              <a:rPr lang="en-US" sz="1200" dirty="0">
-                <a:latin typeface="Arial" pitchFamily="34" charset="0"/>
-                <a:cs typeface="Arial" pitchFamily="34" charset="0"/>
-              </a:rPr>
-              <a:t>Innovation and uniqueness of the solution </a:t>
-            </a:r>
-          </a:p>
-          <a:p>
-            <a:pPr eaLnBrk="1" hangingPunct="1">
+            <a:pPr marL="0" marR="0" lvl="0" indent="0" algn="l" defTabSz="457200" rtl="0" eaLnBrk="0" fontAlgn="base" latinLnBrk="0" hangingPunct="0">
+              <a:lnSpc>
+                <a:spcPct val="100000"/>
+              </a:lnSpc>
               <a:spcBef>
+                <a:spcPct val="30000"/>
+              </a:spcBef>
+              <a:spcAft>
                 <a:spcPct val="0"/>
-              </a:spcBef>
-            </a:pPr>
+              </a:spcAft>
+              <a:buClrTx/>
+              <a:buSzTx/>
+              <a:buFontTx/>
+              <a:buNone/>
+              <a:tabLst/>
+              <a:defRPr/>
+            </a:pPr>
+            <a:r>
+              <a:rPr lang="en-GB" dirty="0"/>
+              <a:t>Good afternoon esteemed judges and fellow teachers, today we at Orion pax bring to you </a:t>
+            </a:r>
+            <a:r>
+              <a:rPr lang="en-GB" dirty="0" err="1"/>
+              <a:t>traya</a:t>
+            </a:r>
+            <a:r>
+              <a:rPr lang="en-GB" dirty="0"/>
+              <a:t>, where we move beyond traditional ,static scheduling methods to an intelligent dynamic scheduling system to optimize train movements in real time. While the development of </a:t>
+            </a:r>
+            <a:r>
+              <a:rPr lang="en-GB" dirty="0" err="1"/>
+              <a:t>traya</a:t>
+            </a:r>
+            <a:r>
+              <a:rPr lang="en-GB" dirty="0"/>
+              <a:t>, we had one primary goal in mind — to avoid any accidents—yes I'm talking about the 2023 Odisha train accident, which resulted in the loss of lives of 300 people and injured another 1200. Frankly, all of it could've it been avoided, had one train been on time and the electronic breaking system were working. To ensure that such a tragedy never occurs and the your life just doesn't turn into another statistic, we at </a:t>
+            </a:r>
+            <a:r>
+              <a:rPr lang="en-GB" dirty="0" err="1"/>
+              <a:t>traya</a:t>
+            </a:r>
+            <a:r>
+              <a:rPr lang="en-GB" dirty="0"/>
+              <a:t> strive for excellence so that we can not only save your time, but also your life. Now </a:t>
+            </a:r>
+            <a:r>
+              <a:rPr lang="en-GB" dirty="0" err="1"/>
+              <a:t>satyabrat</a:t>
+            </a:r>
+            <a:r>
+              <a:rPr lang="en-GB" dirty="0"/>
+              <a:t> will be taking over to talk about the core technologies that we have implemented to further our vision</a:t>
+            </a:r>
             <a:endParaRPr lang="en-US" dirty="0">
               <a:ea typeface="ＭＳ Ｐゴシック" pitchFamily="1" charset="-128"/>
             </a:endParaRPr>
           </a:p>
-        </p:txBody>
-      </p:sp>
-      <p:sp>
-        <p:nvSpPr>
-          <p:cNvPr id="16387" name="Slide Number Placeholder 3"/>
+          <a:p>
+            <a:endParaRPr lang="en-IN" dirty="0"/>
+          </a:p>
+        </p:txBody>
+      </p:sp>
+      <p:sp>
+        <p:nvSpPr>
+          <p:cNvPr id="4" name="Slide Number Placeholder 3"/>
           <p:cNvSpPr>
             <a:spLocks noGrp="1"/>
           </p:cNvSpPr>
@@ -2203,22 +2195,15 @@
             <p:ph type="sldNum" sz="quarter" idx="5"/>
           </p:nvPr>
         </p:nvSpPr>
-        <p:spPr bwMode="auto">
-          <a:noFill/>
-          <a:ln>
-            <a:miter lim="800000"/>
-            <a:headEnd/>
-            <a:tailEnd/>
-          </a:ln>
-        </p:spPr>
+        <p:spPr/>
         <p:txBody>
           <a:bodyPr/>
           <a:lstStyle/>
           <a:p>
-            <a:fld id="{65F62A7E-A2F8-438F-9CF8-47DE63F471B4}" type="slidenum">
-              <a:rPr lang="en-US"/>
+            <a:fld id="{EC790738-CFC9-4A5E-8424-6B42AA5706F7}" type="slidenum">
+              <a:rPr lang="en-US" smtClean="0"/>
               <a:pPr/>
-              <a:t>2</a:t>
+              <a:t>1</a:t>
             </a:fld>
             <a:endParaRPr lang="en-US" dirty="0"/>
           </a:p>
@@ -2227,7 +2212,7 @@
     </p:spTree>
     <p:extLst>
       <p:ext uri="{BB962C8B-B14F-4D97-AF65-F5344CB8AC3E}">
-        <p14:creationId xmlns:p14="http://schemas.microsoft.com/office/powerpoint/2010/main" val="2904073229"/>
+        <p14:creationId xmlns:p14="http://schemas.microsoft.com/office/powerpoint/2010/main" val="3525899524"/>
       </p:ext>
     </p:extLst>
   </p:cSld>
@@ -2256,7 +2241,7 @@
       </p:grpSpPr>
       <p:sp>
         <p:nvSpPr>
-          <p:cNvPr id="18433" name="Slide Image Placeholder 1"/>
+          <p:cNvPr id="16385" name="Slide Image Placeholder 1"/>
           <p:cNvSpPr>
             <a:spLocks noGrp="1" noRot="1" noChangeAspect="1"/>
           </p:cNvSpPr>
@@ -2282,7 +2267,7 @@
       </p:sp>
       <p:sp>
         <p:nvSpPr>
-          <p:cNvPr id="18434" name="Notes Placeholder 2"/>
+          <p:cNvPr id="16386" name="Notes Placeholder 2"/>
           <p:cNvSpPr>
             <a:spLocks noGrp="1"/>
           </p:cNvSpPr>
@@ -2305,216 +2290,15 @@
               <a:buFont typeface="Arial" panose="020B0604020202020204" pitchFamily="34" charset="0"/>
               <a:buChar char="•"/>
             </a:pPr>
-            <a:r>
-              <a:rPr lang="en-GB" sz="1200" dirty="0">
-                <a:latin typeface="Arial" pitchFamily="34" charset="0"/>
-                <a:cs typeface="Arial" pitchFamily="34" charset="0"/>
-              </a:rPr>
-              <a:t>Thank you </a:t>
-            </a:r>
-            <a:r>
-              <a:rPr lang="en-GB" sz="1200" dirty="0" err="1">
-                <a:latin typeface="Arial" pitchFamily="34" charset="0"/>
-                <a:cs typeface="Arial" pitchFamily="34" charset="0"/>
-              </a:rPr>
-              <a:t>Satyabrat</a:t>
-            </a:r>
-            <a:r>
-              <a:rPr lang="en-GB" sz="1200" dirty="0">
-                <a:latin typeface="Arial" pitchFamily="34" charset="0"/>
-                <a:cs typeface="Arial" pitchFamily="34" charset="0"/>
-              </a:rPr>
-              <a:t>.[show your landing page]This is TRAYA, our indigenous railway innovation platform. It combines AI precision, indigenous design and unmatched reliability to transform Indian Railways.</a:t>
-            </a:r>
-          </a:p>
-          <a:p>
-            <a:pPr marL="342900" indent="-342900" algn="just">
-              <a:buFont typeface="Arial" panose="020B0604020202020204" pitchFamily="34" charset="0"/>
-              <a:buChar char="•"/>
-            </a:pPr>
-            <a:endParaRPr lang="en-GB" sz="1200" dirty="0">
-              <a:latin typeface="Arial" pitchFamily="34" charset="0"/>
-              <a:cs typeface="Arial" pitchFamily="34" charset="0"/>
+            <a:endParaRPr lang="en-US" dirty="0">
+              <a:ea typeface="ＭＳ Ｐゴシック" pitchFamily="1" charset="-128"/>
             </a:endParaRPr>
           </a:p>
-          <a:p>
-            <a:pPr marL="342900" indent="-342900" algn="just">
-              <a:buFont typeface="Arial" panose="020B0604020202020204" pitchFamily="34" charset="0"/>
-              <a:buChar char="•"/>
-            </a:pPr>
-            <a:r>
-              <a:rPr lang="en-GB" sz="1200" dirty="0">
-                <a:latin typeface="Arial" pitchFamily="34" charset="0"/>
-                <a:cs typeface="Arial" pitchFamily="34" charset="0"/>
-              </a:rPr>
-              <a:t>Behind this sleek interface are real-time dashboards that pull in over 10 000 data points per second from track circuits, axle counters, weather stations and telemetry. </a:t>
-            </a:r>
-          </a:p>
-          <a:p>
-            <a:pPr marL="342900" indent="-342900" algn="just">
-              <a:buFont typeface="Arial" panose="020B0604020202020204" pitchFamily="34" charset="0"/>
-              <a:buChar char="•"/>
-            </a:pPr>
-            <a:endParaRPr lang="en-GB" sz="1200" dirty="0">
-              <a:latin typeface="Arial" pitchFamily="34" charset="0"/>
-              <a:cs typeface="Arial" pitchFamily="34" charset="0"/>
-            </a:endParaRPr>
-          </a:p>
-          <a:p>
-            <a:pPr marL="342900" indent="-342900" algn="just">
-              <a:buFont typeface="Arial" panose="020B0604020202020204" pitchFamily="34" charset="0"/>
-              <a:buChar char="•"/>
-            </a:pPr>
-            <a:r>
-              <a:rPr lang="en-GB" sz="1200" dirty="0">
-                <a:latin typeface="Arial" pitchFamily="34" charset="0"/>
-                <a:cs typeface="Arial" pitchFamily="34" charset="0"/>
-              </a:rPr>
-              <a:t>Our AI engine analyses them instantly to predict </a:t>
-            </a:r>
-            <a:r>
-              <a:rPr lang="en-GB" sz="1200">
-                <a:latin typeface="Arial" pitchFamily="34" charset="0"/>
-                <a:cs typeface="Arial" pitchFamily="34" charset="0"/>
-              </a:rPr>
-              <a:t>conflicts and identify </a:t>
-            </a:r>
-            <a:r>
-              <a:rPr lang="en-GB" sz="1200" dirty="0">
-                <a:latin typeface="Arial" pitchFamily="34" charset="0"/>
-                <a:cs typeface="Arial" pitchFamily="34" charset="0"/>
-              </a:rPr>
-              <a:t>delays learning over patterns. </a:t>
-            </a:r>
-          </a:p>
-          <a:p>
-            <a:pPr marL="342900" indent="-342900" algn="just">
-              <a:buFont typeface="Arial" panose="020B0604020202020204" pitchFamily="34" charset="0"/>
-              <a:buChar char="•"/>
-            </a:pPr>
-            <a:endParaRPr lang="en-GB" sz="1200" dirty="0">
-              <a:latin typeface="Arial" pitchFamily="34" charset="0"/>
-              <a:cs typeface="Arial" pitchFamily="34" charset="0"/>
-            </a:endParaRPr>
-          </a:p>
-          <a:p>
-            <a:pPr marL="342900" indent="-342900" algn="just">
-              <a:buFont typeface="Arial" panose="020B0604020202020204" pitchFamily="34" charset="0"/>
-              <a:buChar char="•"/>
-            </a:pPr>
-            <a:r>
-              <a:rPr lang="en-GB" sz="1200" dirty="0">
-                <a:latin typeface="Arial" pitchFamily="34" charset="0"/>
-                <a:cs typeface="Arial" pitchFamily="34" charset="0"/>
-              </a:rPr>
-              <a:t>[scroll to Innovation or Benefits section]Here you can see how TRAYA is built for 25 cm accuracy with 100 % repeatability, delivering economic, passenger and environmental benefits.</a:t>
-            </a:r>
-          </a:p>
-          <a:p>
-            <a:pPr marL="342900" indent="-342900" algn="just">
-              <a:buFont typeface="Arial" panose="020B0604020202020204" pitchFamily="34" charset="0"/>
-              <a:buChar char="•"/>
-            </a:pPr>
-            <a:endParaRPr lang="en-GB" sz="1200" dirty="0">
-              <a:latin typeface="Arial" pitchFamily="34" charset="0"/>
-              <a:cs typeface="Arial" pitchFamily="34" charset="0"/>
-            </a:endParaRPr>
-          </a:p>
-          <a:p>
-            <a:pPr marL="342900" indent="-342900" algn="just">
-              <a:buFont typeface="Arial" panose="020B0604020202020204" pitchFamily="34" charset="0"/>
-              <a:buChar char="•"/>
-            </a:pPr>
-            <a:r>
-              <a:rPr lang="en-GB" sz="1200" dirty="0">
-                <a:latin typeface="Arial" pitchFamily="34" charset="0"/>
-                <a:cs typeface="Arial" pitchFamily="34" charset="0"/>
-              </a:rPr>
-              <a:t>[scroll to AI Features Panel]We’ve integrated multiple smart modules: analytics for track monitoring and predictive-maintenance AI. </a:t>
-            </a:r>
-          </a:p>
-          <a:p>
-            <a:pPr marL="342900" indent="-342900" algn="just">
-              <a:buFont typeface="Arial" panose="020B0604020202020204" pitchFamily="34" charset="0"/>
-              <a:buChar char="•"/>
-            </a:pPr>
-            <a:endParaRPr lang="en-GB" sz="1200" dirty="0">
-              <a:latin typeface="Arial" pitchFamily="34" charset="0"/>
-              <a:cs typeface="Arial" pitchFamily="34" charset="0"/>
-            </a:endParaRPr>
-          </a:p>
-          <a:p>
-            <a:pPr marL="342900" indent="-342900" algn="just">
-              <a:buFont typeface="Arial" panose="020B0604020202020204" pitchFamily="34" charset="0"/>
-              <a:buChar char="•"/>
-            </a:pPr>
-            <a:r>
-              <a:rPr lang="en-GB" sz="1200" dirty="0">
-                <a:latin typeface="Arial" pitchFamily="34" charset="0"/>
-                <a:cs typeface="Arial" pitchFamily="34" charset="0"/>
-              </a:rPr>
-              <a:t>[mention quantum ML briefly]Quantum machine learning can explore and optimise huge, constraint-heavy scheduling spaces in parallel, which grow exponentially for classical </a:t>
-            </a:r>
-            <a:r>
-              <a:rPr lang="en-GB" sz="1200" dirty="0" err="1">
-                <a:latin typeface="Arial" pitchFamily="34" charset="0"/>
-                <a:cs typeface="Arial" pitchFamily="34" charset="0"/>
-              </a:rPr>
-              <a:t>ML.This</a:t>
-            </a:r>
-            <a:r>
-              <a:rPr lang="en-GB" sz="1200" dirty="0">
-                <a:latin typeface="Arial" pitchFamily="34" charset="0"/>
-                <a:cs typeface="Arial" pitchFamily="34" charset="0"/>
-              </a:rPr>
-              <a:t> parallelism helps reach higher-quality routing and prediction solutions faster than traditional models.</a:t>
-            </a:r>
-          </a:p>
-          <a:p>
-            <a:pPr marL="342900" indent="-342900" algn="just">
-              <a:buFont typeface="Arial" panose="020B0604020202020204" pitchFamily="34" charset="0"/>
-              <a:buChar char="•"/>
-            </a:pPr>
-            <a:endParaRPr lang="en-GB" sz="1200" dirty="0">
-              <a:latin typeface="Arial" pitchFamily="34" charset="0"/>
-              <a:cs typeface="Arial" pitchFamily="34" charset="0"/>
-            </a:endParaRPr>
-          </a:p>
-          <a:p>
-            <a:pPr marL="342900" indent="-342900" algn="just">
-              <a:buFont typeface="Arial" panose="020B0604020202020204" pitchFamily="34" charset="0"/>
-              <a:buChar char="•"/>
-            </a:pPr>
-            <a:r>
-              <a:rPr lang="en-GB" sz="1200" dirty="0">
-                <a:latin typeface="Arial" pitchFamily="34" charset="0"/>
-                <a:cs typeface="Arial" pitchFamily="34" charset="0"/>
-              </a:rPr>
-              <a:t>Today our core modules run on classical ML frameworks. But in simulation we’ve compared them to a quantum-enhanced model on realistic scheduling problems. Where the classical model plateaued below 65 % accuracy, the quantum model reached 91 %, demonstrating clear potential for the next scale-up phase. </a:t>
-            </a:r>
-          </a:p>
-          <a:p>
-            <a:pPr marL="342900" indent="-342900" algn="just">
-              <a:buFont typeface="Arial" panose="020B0604020202020204" pitchFamily="34" charset="0"/>
-              <a:buChar char="•"/>
-            </a:pPr>
-            <a:r>
-              <a:rPr lang="en-GB" sz="1200" dirty="0">
-                <a:latin typeface="Arial" pitchFamily="34" charset="0"/>
-                <a:cs typeface="Arial" pitchFamily="34" charset="0"/>
-              </a:rPr>
-              <a:t>We promote the use of Quantum Machine Learning for the functioning of TRAYA, furthermore, Processed via an AI optimization engine for conflict prediction and routing. </a:t>
-            </a:r>
-            <a:endParaRPr lang="en-US" sz="1200" dirty="0">
-              <a:latin typeface="Arial" pitchFamily="34" charset="0"/>
-              <a:cs typeface="Arial" pitchFamily="34" charset="0"/>
-            </a:endParaRPr>
-          </a:p>
-        </p:txBody>
-      </p:sp>
-      <p:sp>
-        <p:nvSpPr>
-          <p:cNvPr id="18435" name="Slide Number Placeholder 3"/>
+        </p:txBody>
+      </p:sp>
+      <p:sp>
+        <p:nvSpPr>
+          <p:cNvPr id="16387" name="Slide Number Placeholder 3"/>
           <p:cNvSpPr>
             <a:spLocks noGrp="1"/>
           </p:cNvSpPr>
@@ -2534,10 +2318,10 @@
           <a:bodyPr/>
           <a:lstStyle/>
           <a:p>
-            <a:fld id="{0CA7B74D-3791-4AC6-8451-F10DBCCCDD9A}" type="slidenum">
+            <a:fld id="{65F62A7E-A2F8-438F-9CF8-47DE63F471B4}" type="slidenum">
               <a:rPr lang="en-US"/>
               <a:pPr/>
-              <a:t>3</a:t>
+              <a:t>2</a:t>
             </a:fld>
             <a:endParaRPr lang="en-US" dirty="0"/>
           </a:p>
@@ -2546,7 +2330,7 @@
     </p:spTree>
     <p:extLst>
       <p:ext uri="{BB962C8B-B14F-4D97-AF65-F5344CB8AC3E}">
-        <p14:creationId xmlns:p14="http://schemas.microsoft.com/office/powerpoint/2010/main" val="2335206292"/>
+        <p14:creationId xmlns:p14="http://schemas.microsoft.com/office/powerpoint/2010/main" val="2904073229"/>
       </p:ext>
     </p:extLst>
   </p:cSld>
@@ -2617,6 +2401,327 @@
             <a:prstTxWarp prst="textNoShape">
               <a:avLst/>
             </a:prstTxWarp>
+            <a:normAutofit fontScale="85000" lnSpcReduction="20000"/>
+          </a:bodyPr>
+          <a:lstStyle/>
+          <a:p>
+            <a:pPr marL="342900" indent="-342900" algn="just">
+              <a:buFont typeface="Arial" panose="020B0604020202020204" pitchFamily="34" charset="0"/>
+              <a:buChar char="•"/>
+            </a:pPr>
+            <a:r>
+              <a:rPr lang="en-GB" sz="1200" dirty="0">
+                <a:latin typeface="Arial" pitchFamily="34" charset="0"/>
+                <a:cs typeface="Arial" pitchFamily="34" charset="0"/>
+              </a:rPr>
+              <a:t>Thank you </a:t>
+            </a:r>
+            <a:r>
+              <a:rPr lang="en-GB" sz="1200" dirty="0" err="1">
+                <a:latin typeface="Arial" pitchFamily="34" charset="0"/>
+                <a:cs typeface="Arial" pitchFamily="34" charset="0"/>
+              </a:rPr>
+              <a:t>Satyabrat</a:t>
+            </a:r>
+            <a:r>
+              <a:rPr lang="en-GB" sz="1200" dirty="0">
+                <a:latin typeface="Arial" pitchFamily="34" charset="0"/>
+                <a:cs typeface="Arial" pitchFamily="34" charset="0"/>
+              </a:rPr>
+              <a:t>.[show your landing page]This is TRAYA, our indigenous railway innovation platform. It combines AI precision, indigenous design and unmatched reliability to transform Indian Railways.</a:t>
+            </a:r>
+          </a:p>
+          <a:p>
+            <a:pPr marL="342900" indent="-342900" algn="just">
+              <a:buFont typeface="Arial" panose="020B0604020202020204" pitchFamily="34" charset="0"/>
+              <a:buChar char="•"/>
+            </a:pPr>
+            <a:endParaRPr lang="en-GB" sz="1200" dirty="0">
+              <a:latin typeface="Arial" pitchFamily="34" charset="0"/>
+              <a:cs typeface="Arial" pitchFamily="34" charset="0"/>
+            </a:endParaRPr>
+          </a:p>
+          <a:p>
+            <a:pPr marL="342900" indent="-342900" algn="just">
+              <a:buFont typeface="Arial" panose="020B0604020202020204" pitchFamily="34" charset="0"/>
+              <a:buChar char="•"/>
+            </a:pPr>
+            <a:r>
+              <a:rPr lang="en-GB" sz="1200" dirty="0">
+                <a:latin typeface="Arial" pitchFamily="34" charset="0"/>
+                <a:cs typeface="Arial" pitchFamily="34" charset="0"/>
+              </a:rPr>
+              <a:t>Behind this sleek interface are real-time dashboards that pull in over 10 000 data points per second from track circuits, axle counters, weather stations and telemetry. </a:t>
+            </a:r>
+          </a:p>
+          <a:p>
+            <a:pPr marL="342900" indent="-342900" algn="just">
+              <a:buFont typeface="Arial" panose="020B0604020202020204" pitchFamily="34" charset="0"/>
+              <a:buChar char="•"/>
+            </a:pPr>
+            <a:endParaRPr lang="en-GB" sz="1200" dirty="0">
+              <a:latin typeface="Arial" pitchFamily="34" charset="0"/>
+              <a:cs typeface="Arial" pitchFamily="34" charset="0"/>
+            </a:endParaRPr>
+          </a:p>
+          <a:p>
+            <a:pPr marL="342900" indent="-342900" algn="just">
+              <a:buFont typeface="Arial" panose="020B0604020202020204" pitchFamily="34" charset="0"/>
+              <a:buChar char="•"/>
+            </a:pPr>
+            <a:r>
+              <a:rPr lang="en-GB" sz="1200" dirty="0">
+                <a:latin typeface="Arial" pitchFamily="34" charset="0"/>
+                <a:cs typeface="Arial" pitchFamily="34" charset="0"/>
+              </a:rPr>
+              <a:t>Our AI engine analyses them instantly to predict </a:t>
+            </a:r>
+            <a:r>
+              <a:rPr lang="en-GB" sz="1200">
+                <a:latin typeface="Arial" pitchFamily="34" charset="0"/>
+                <a:cs typeface="Arial" pitchFamily="34" charset="0"/>
+              </a:rPr>
+              <a:t>conflicts and identify </a:t>
+            </a:r>
+            <a:r>
+              <a:rPr lang="en-GB" sz="1200" dirty="0">
+                <a:latin typeface="Arial" pitchFamily="34" charset="0"/>
+                <a:cs typeface="Arial" pitchFamily="34" charset="0"/>
+              </a:rPr>
+              <a:t>delays learning over patterns. </a:t>
+            </a:r>
+          </a:p>
+          <a:p>
+            <a:pPr marL="342900" indent="-342900" algn="just">
+              <a:buFont typeface="Arial" panose="020B0604020202020204" pitchFamily="34" charset="0"/>
+              <a:buChar char="•"/>
+            </a:pPr>
+            <a:endParaRPr lang="en-GB" sz="1200" dirty="0">
+              <a:latin typeface="Arial" pitchFamily="34" charset="0"/>
+              <a:cs typeface="Arial" pitchFamily="34" charset="0"/>
+            </a:endParaRPr>
+          </a:p>
+          <a:p>
+            <a:pPr marL="342900" indent="-342900" algn="just">
+              <a:buFont typeface="Arial" panose="020B0604020202020204" pitchFamily="34" charset="0"/>
+              <a:buChar char="•"/>
+            </a:pPr>
+            <a:r>
+              <a:rPr lang="en-GB" sz="1200" dirty="0">
+                <a:latin typeface="Arial" pitchFamily="34" charset="0"/>
+                <a:cs typeface="Arial" pitchFamily="34" charset="0"/>
+              </a:rPr>
+              <a:t>[scroll to Innovation or Benefits section]Here you can see how TRAYA is built for 25 cm accuracy with 100 % repeatability, delivering economic, passenger and environmental benefits.</a:t>
+            </a:r>
+          </a:p>
+          <a:p>
+            <a:pPr marL="342900" indent="-342900" algn="just">
+              <a:buFont typeface="Arial" panose="020B0604020202020204" pitchFamily="34" charset="0"/>
+              <a:buChar char="•"/>
+            </a:pPr>
+            <a:endParaRPr lang="en-GB" sz="1200" dirty="0">
+              <a:latin typeface="Arial" pitchFamily="34" charset="0"/>
+              <a:cs typeface="Arial" pitchFamily="34" charset="0"/>
+            </a:endParaRPr>
+          </a:p>
+          <a:p>
+            <a:pPr marL="342900" indent="-342900" algn="just">
+              <a:buFont typeface="Arial" panose="020B0604020202020204" pitchFamily="34" charset="0"/>
+              <a:buChar char="•"/>
+            </a:pPr>
+            <a:r>
+              <a:rPr lang="en-GB" sz="1200" dirty="0">
+                <a:latin typeface="Arial" pitchFamily="34" charset="0"/>
+                <a:cs typeface="Arial" pitchFamily="34" charset="0"/>
+              </a:rPr>
+              <a:t>[scroll to AI Features Panel]We’ve integrated multiple smart modules: analytics for track monitoring and predictive-maintenance AI. </a:t>
+            </a:r>
+          </a:p>
+          <a:p>
+            <a:pPr marL="342900" indent="-342900" algn="just">
+              <a:buFont typeface="Arial" panose="020B0604020202020204" pitchFamily="34" charset="0"/>
+              <a:buChar char="•"/>
+            </a:pPr>
+            <a:endParaRPr lang="en-GB" sz="1200" dirty="0">
+              <a:latin typeface="Arial" pitchFamily="34" charset="0"/>
+              <a:cs typeface="Arial" pitchFamily="34" charset="0"/>
+            </a:endParaRPr>
+          </a:p>
+          <a:p>
+            <a:pPr marL="342900" indent="-342900" algn="just">
+              <a:buFont typeface="Arial" panose="020B0604020202020204" pitchFamily="34" charset="0"/>
+              <a:buChar char="•"/>
+            </a:pPr>
+            <a:r>
+              <a:rPr lang="en-GB" sz="1200" dirty="0">
+                <a:latin typeface="Arial" pitchFamily="34" charset="0"/>
+                <a:cs typeface="Arial" pitchFamily="34" charset="0"/>
+              </a:rPr>
+              <a:t>[mention quantum ML briefly]Quantum machine learning can explore and optimise huge, constraint-heavy scheduling spaces in parallel, which grow exponentially for classical </a:t>
+            </a:r>
+            <a:r>
+              <a:rPr lang="en-GB" sz="1200" dirty="0" err="1">
+                <a:latin typeface="Arial" pitchFamily="34" charset="0"/>
+                <a:cs typeface="Arial" pitchFamily="34" charset="0"/>
+              </a:rPr>
+              <a:t>ML.This</a:t>
+            </a:r>
+            <a:r>
+              <a:rPr lang="en-GB" sz="1200" dirty="0">
+                <a:latin typeface="Arial" pitchFamily="34" charset="0"/>
+                <a:cs typeface="Arial" pitchFamily="34" charset="0"/>
+              </a:rPr>
+              <a:t> parallelism helps reach higher-quality routing and prediction solutions faster than traditional models.</a:t>
+            </a:r>
+          </a:p>
+          <a:p>
+            <a:pPr marL="342900" indent="-342900" algn="just">
+              <a:buFont typeface="Arial" panose="020B0604020202020204" pitchFamily="34" charset="0"/>
+              <a:buChar char="•"/>
+            </a:pPr>
+            <a:endParaRPr lang="en-GB" sz="1200" dirty="0">
+              <a:latin typeface="Arial" pitchFamily="34" charset="0"/>
+              <a:cs typeface="Arial" pitchFamily="34" charset="0"/>
+            </a:endParaRPr>
+          </a:p>
+          <a:p>
+            <a:pPr marL="342900" indent="-342900" algn="just">
+              <a:buFont typeface="Arial" panose="020B0604020202020204" pitchFamily="34" charset="0"/>
+              <a:buChar char="•"/>
+            </a:pPr>
+            <a:r>
+              <a:rPr lang="en-GB" sz="1200" dirty="0">
+                <a:latin typeface="Arial" pitchFamily="34" charset="0"/>
+                <a:cs typeface="Arial" pitchFamily="34" charset="0"/>
+              </a:rPr>
+              <a:t>Today our core modules run on classical ML frameworks. But in simulation we’ve compared them to a quantum-enhanced model on realistic scheduling problems. Where the classical model plateaued below 65 % accuracy, the quantum model reached 91 %, demonstrating clear potential for the next scale-up phase. </a:t>
+            </a:r>
+          </a:p>
+          <a:p>
+            <a:pPr marL="342900" indent="-342900" algn="just">
+              <a:buFont typeface="Arial" panose="020B0604020202020204" pitchFamily="34" charset="0"/>
+              <a:buChar char="•"/>
+            </a:pPr>
+            <a:r>
+              <a:rPr lang="en-GB" sz="1200" dirty="0">
+                <a:latin typeface="Arial" pitchFamily="34" charset="0"/>
+                <a:cs typeface="Arial" pitchFamily="34" charset="0"/>
+              </a:rPr>
+              <a:t>We promote the use of Quantum Machine Learning for the functioning of TRAYA, furthermore, Processed via an AI optimization engine for conflict prediction and routing. </a:t>
+            </a:r>
+            <a:endParaRPr lang="en-US" sz="1200" dirty="0">
+              <a:latin typeface="Arial" pitchFamily="34" charset="0"/>
+              <a:cs typeface="Arial" pitchFamily="34" charset="0"/>
+            </a:endParaRPr>
+          </a:p>
+        </p:txBody>
+      </p:sp>
+      <p:sp>
+        <p:nvSpPr>
+          <p:cNvPr id="18435" name="Slide Number Placeholder 3"/>
+          <p:cNvSpPr>
+            <a:spLocks noGrp="1"/>
+          </p:cNvSpPr>
+          <p:nvPr>
+            <p:ph type="sldNum" sz="quarter" idx="5"/>
+          </p:nvPr>
+        </p:nvSpPr>
+        <p:spPr bwMode="auto">
+          <a:noFill/>
+          <a:ln>
+            <a:miter lim="800000"/>
+            <a:headEnd/>
+            <a:tailEnd/>
+          </a:ln>
+        </p:spPr>
+        <p:txBody>
+          <a:bodyPr/>
+          <a:lstStyle/>
+          <a:p>
+            <a:fld id="{0CA7B74D-3791-4AC6-8451-F10DBCCCDD9A}" type="slidenum">
+              <a:rPr lang="en-US"/>
+              <a:pPr/>
+              <a:t>3</a:t>
+            </a:fld>
+            <a:endParaRPr lang="en-US" dirty="0"/>
+          </a:p>
+        </p:txBody>
+      </p:sp>
+    </p:spTree>
+    <p:extLst>
+      <p:ext uri="{BB962C8B-B14F-4D97-AF65-F5344CB8AC3E}">
+        <p14:creationId xmlns:p14="http://schemas.microsoft.com/office/powerpoint/2010/main" val="2335206292"/>
+      </p:ext>
+    </p:extLst>
+  </p:cSld>
+  <p:clrMapOvr>
+    <a:masterClrMapping/>
+  </p:clrMapOvr>
+</p:notes>
+</file>
+
+<file path=ppt/notesSlides/notesSlide4.xml><?xml version="1.0" encoding="utf-8"?>
+<p:notes xmlns:a="http://schemas.openxmlformats.org/drawingml/2006/main" xmlns:r="http://schemas.openxmlformats.org/officeDocument/2006/relationships" xmlns:p="http://schemas.openxmlformats.org/presentationml/2006/main">
+  <p:cSld>
+    <p:spTree>
+      <p:nvGrpSpPr>
+        <p:cNvPr id="1" name=""/>
+        <p:cNvGrpSpPr/>
+        <p:nvPr/>
+      </p:nvGrpSpPr>
+      <p:grpSpPr>
+        <a:xfrm>
+          <a:off x="0" y="0"/>
+          <a:ext cx="0" cy="0"/>
+          <a:chOff x="0" y="0"/>
+          <a:chExt cx="0" cy="0"/>
+        </a:xfrm>
+      </p:grpSpPr>
+      <p:sp>
+        <p:nvSpPr>
+          <p:cNvPr id="18433" name="Slide Image Placeholder 1"/>
+          <p:cNvSpPr>
+            <a:spLocks noGrp="1" noRot="1" noChangeAspect="1"/>
+          </p:cNvSpPr>
+          <p:nvPr>
+            <p:ph type="sldImg"/>
+          </p:nvPr>
+        </p:nvSpPr>
+        <p:spPr bwMode="auto">
+          <a:xfrm>
+            <a:off x="381000" y="685800"/>
+            <a:ext cx="6096000" cy="3429000"/>
+          </a:xfrm>
+          <a:noFill/>
+          <a:ln>
+            <a:solidFill>
+              <a:srgbClr val="000000"/>
+            </a:solidFill>
+            <a:miter lim="800000"/>
+            <a:headEnd/>
+            <a:tailEnd/>
+          </a:ln>
+        </p:spPr>
+      </p:sp>
+      <p:sp>
+        <p:nvSpPr>
+          <p:cNvPr id="18434" name="Notes Placeholder 2"/>
+          <p:cNvSpPr>
+            <a:spLocks noGrp="1"/>
+          </p:cNvSpPr>
+          <p:nvPr>
+            <p:ph type="body" idx="1"/>
+          </p:nvPr>
+        </p:nvSpPr>
+        <p:spPr bwMode="auto">
+          <a:noFill/>
+        </p:spPr>
+        <p:txBody>
+          <a:bodyPr wrap="square" numCol="1" anchor="t" anchorCtr="0" compatLnSpc="1">
+            <a:prstTxWarp prst="textNoShape">
+              <a:avLst/>
+            </a:prstTxWarp>
+            <a:normAutofit fontScale="92500"/>
           </a:bodyPr>
           <a:lstStyle/>
           <a:p>
@@ -2638,110 +2743,154 @@
               <a:defRPr/>
             </a:pPr>
             <a:r>
-              <a:rPr lang="en-US" sz="1200" dirty="0">
+              <a:rPr lang="en-GB" sz="1200" dirty="0">
                 <a:solidFill>
                   <a:prstClr val="black"/>
                 </a:solidFill>
                 <a:latin typeface="Arial" pitchFamily="34" charset="0"/>
                 <a:cs typeface="Arial" pitchFamily="34" charset="0"/>
               </a:rPr>
-              <a:t>Analysis of the feasibility of the idea</a:t>
-            </a:r>
-            <a:endParaRPr kumimoji="0" lang="en-US" sz="1200" b="0" i="0" u="none" strike="noStrike" kern="1200" cap="none" spc="0" normalizeH="0" baseline="0" noProof="0" dirty="0">
-              <a:ln>
-                <a:noFill/>
-              </a:ln>
-              <a:solidFill>
-                <a:prstClr val="black"/>
-              </a:solidFill>
-              <a:effectLst/>
-              <a:uLnTx/>
-              <a:uFillTx/>
-              <a:latin typeface="Arial" pitchFamily="34" charset="0"/>
-              <a:ea typeface="ＭＳ Ｐゴシック" pitchFamily="1" charset="-128"/>
-              <a:cs typeface="Arial" pitchFamily="34" charset="0"/>
-            </a:endParaRPr>
-          </a:p>
-          <a:p>
-            <a:pPr marL="342900" marR="0" lvl="0" indent="-342900" algn="just" defTabSz="457200" rtl="0" eaLnBrk="1" fontAlgn="base" latinLnBrk="0" hangingPunct="1">
-              <a:lnSpc>
-                <a:spcPct val="100000"/>
-              </a:lnSpc>
-              <a:spcBef>
-                <a:spcPct val="0"/>
-              </a:spcBef>
-              <a:spcAft>
-                <a:spcPct val="0"/>
-              </a:spcAft>
-              <a:buClrTx/>
-              <a:buSzTx/>
-              <a:buFont typeface="Arial" panose="020B0604020202020204" pitchFamily="34" charset="0"/>
-              <a:buChar char="•"/>
-              <a:tabLst/>
-              <a:defRPr/>
-            </a:pPr>
-            <a:r>
-              <a:rPr lang="en-US" sz="1200" dirty="0">
+              <a:t>Ladies and </a:t>
+            </a:r>
+            <a:r>
+              <a:rPr lang="en-GB" sz="1200" dirty="0" err="1">
                 <a:solidFill>
                   <a:prstClr val="black"/>
                 </a:solidFill>
                 <a:latin typeface="Arial" pitchFamily="34" charset="0"/>
                 <a:cs typeface="Arial" pitchFamily="34" charset="0"/>
               </a:rPr>
-              <a:t>Potential challenges and risks</a:t>
-            </a:r>
-          </a:p>
-          <a:p>
-            <a:pPr marL="342900" marR="0" lvl="0" indent="-342900" algn="just" defTabSz="457200" rtl="0" eaLnBrk="1" fontAlgn="base" latinLnBrk="0" hangingPunct="1">
-              <a:lnSpc>
-                <a:spcPct val="100000"/>
-              </a:lnSpc>
-              <a:spcBef>
-                <a:spcPct val="0"/>
-              </a:spcBef>
-              <a:spcAft>
-                <a:spcPct val="0"/>
-              </a:spcAft>
-              <a:buClrTx/>
-              <a:buSzTx/>
-              <a:buFont typeface="Arial" panose="020B0604020202020204" pitchFamily="34" charset="0"/>
-              <a:buChar char="•"/>
-              <a:tabLst/>
-              <a:defRPr/>
-            </a:pPr>
-            <a:r>
-              <a:rPr kumimoji="0" lang="en-US" sz="1200" b="0" i="0" u="none" strike="noStrike" kern="1200" cap="none" spc="0" normalizeH="0" baseline="0" noProof="0" dirty="0">
-                <a:ln>
-                  <a:noFill/>
-                </a:ln>
+              <a:t>Gentlemen,Every</a:t>
+            </a:r>
+            <a:r>
+              <a:rPr lang="en-GB" sz="1200" dirty="0">
                 <a:solidFill>
                   <a:prstClr val="black"/>
                 </a:solidFill>
-                <a:effectLst/>
-                <a:uLnTx/>
-                <a:uFillTx/>
                 <a:latin typeface="Arial" pitchFamily="34" charset="0"/>
-                <a:ea typeface="ＭＳ Ｐゴシック" pitchFamily="1" charset="-128"/>
                 <a:cs typeface="Arial" pitchFamily="34" charset="0"/>
               </a:rPr>
-              <a:t>Strategies</a:t>
-            </a:r>
-            <a:r>
-              <a:rPr kumimoji="0" lang="en-US" sz="1200" b="0" i="0" u="none" strike="noStrike" kern="1200" cap="none" spc="0" normalizeH="0" noProof="0" dirty="0">
-                <a:ln>
-                  <a:noFill/>
-                </a:ln>
+              <a:t> advancement in our technology drives societal growth and welfare. Let us dive into the business model of our </a:t>
+            </a:r>
+            <a:r>
+              <a:rPr lang="en-GB" sz="1200" dirty="0" err="1">
                 <a:solidFill>
                   <a:prstClr val="black"/>
                 </a:solidFill>
-                <a:effectLst/>
-                <a:uLnTx/>
-                <a:uFillTx/>
                 <a:latin typeface="Arial" pitchFamily="34" charset="0"/>
-                <a:ea typeface="ＭＳ Ｐゴシック" pitchFamily="1" charset="-128"/>
                 <a:cs typeface="Arial" pitchFamily="34" charset="0"/>
               </a:rPr>
-              <a:t> for overcoming these challenges</a:t>
+              <a:t>TRAYA.In</a:t>
+            </a:r>
+            <a:r>
+              <a:rPr lang="en-GB" sz="1200" dirty="0">
+                <a:solidFill>
+                  <a:prstClr val="black"/>
+                </a:solidFill>
+                <a:latin typeface="Arial" pitchFamily="34" charset="0"/>
+                <a:cs typeface="Arial" pitchFamily="34" charset="0"/>
+              </a:rPr>
+              <a:t> India, while third-party apps dominate ticket booking and status checks with user-friendly interfaces and real-time sync, they're pulling users from government software. TRAYA bridges this gap, rebuilding trust and long-term dependency on indigenous solutions, embodying </a:t>
+            </a:r>
+            <a:r>
+              <a:rPr lang="en-GB" sz="1200" dirty="0" err="1">
+                <a:solidFill>
+                  <a:prstClr val="black"/>
+                </a:solidFill>
+                <a:latin typeface="Arial" pitchFamily="34" charset="0"/>
+                <a:cs typeface="Arial" pitchFamily="34" charset="0"/>
+              </a:rPr>
+              <a:t>Atmanirbhar</a:t>
+            </a:r>
+            <a:r>
+              <a:rPr lang="en-GB" sz="1200" dirty="0">
+                <a:solidFill>
+                  <a:prstClr val="black"/>
+                </a:solidFill>
+                <a:latin typeface="Arial" pitchFamily="34" charset="0"/>
+                <a:cs typeface="Arial" pitchFamily="34" charset="0"/>
+              </a:rPr>
+              <a:t> </a:t>
+            </a:r>
+            <a:r>
+              <a:rPr lang="en-GB" sz="1200" dirty="0" err="1">
+                <a:solidFill>
+                  <a:prstClr val="black"/>
+                </a:solidFill>
+                <a:latin typeface="Arial" pitchFamily="34" charset="0"/>
+                <a:cs typeface="Arial" pitchFamily="34" charset="0"/>
+              </a:rPr>
+              <a:t>Bharat.At</a:t>
+            </a:r>
+            <a:r>
+              <a:rPr lang="en-GB" sz="1200" dirty="0">
+                <a:solidFill>
+                  <a:prstClr val="black"/>
+                </a:solidFill>
+                <a:latin typeface="Arial" pitchFamily="34" charset="0"/>
+                <a:cs typeface="Arial" pitchFamily="34" charset="0"/>
+              </a:rPr>
+              <a:t> the heart of our 68,000 km network, with 13,000 trains daily, TRAYA optimizes punctuality, safety, and efficiency. It taps into the ₹15-20 lakh crore modernization market, backed by the government's ₹2.52 lakh crore FY25-26 </a:t>
+            </a:r>
+            <a:r>
+              <a:rPr lang="en-GB" sz="1200" dirty="0" err="1">
+                <a:solidFill>
+                  <a:prstClr val="black"/>
+                </a:solidFill>
+                <a:latin typeface="Arial" pitchFamily="34" charset="0"/>
+                <a:cs typeface="Arial" pitchFamily="34" charset="0"/>
+              </a:rPr>
+              <a:t>budget.Our</a:t>
+            </a:r>
+            <a:r>
+              <a:rPr lang="en-GB" sz="1200" dirty="0">
+                <a:solidFill>
+                  <a:prstClr val="black"/>
+                </a:solidFill>
+                <a:latin typeface="Arial" pitchFamily="34" charset="0"/>
+                <a:cs typeface="Arial" pitchFamily="34" charset="0"/>
+              </a:rPr>
+              <a:t> B2G model partners with Indian Railways, DFCCIL, and metros, delivering hardware kits, software licensing, and AMC contracts for 60-80% recurring revenue. At 40-60% cheaper than imported TRC or ITMS, we slash downtime by 30-40% and ensure 99.9% </a:t>
+            </a:r>
+            <a:r>
+              <a:rPr lang="en-GB" sz="1200" dirty="0" err="1">
+                <a:solidFill>
+                  <a:prstClr val="black"/>
+                </a:solidFill>
+                <a:latin typeface="Arial" pitchFamily="34" charset="0"/>
+                <a:cs typeface="Arial" pitchFamily="34" charset="0"/>
+              </a:rPr>
+              <a:t>uptime.Built</a:t>
+            </a:r>
+            <a:r>
+              <a:rPr lang="en-GB" sz="1200" dirty="0">
+                <a:solidFill>
+                  <a:prstClr val="black"/>
+                </a:solidFill>
+                <a:latin typeface="Arial" pitchFamily="34" charset="0"/>
+                <a:cs typeface="Arial" pitchFamily="34" charset="0"/>
+              </a:rPr>
+              <a:t> on proven machine learning and industrial computing, TRAYA integrates with SCADA and </a:t>
+            </a:r>
+            <a:r>
+              <a:rPr lang="en-GB" sz="1200" dirty="0" err="1">
+                <a:solidFill>
+                  <a:prstClr val="black"/>
+                </a:solidFill>
+                <a:latin typeface="Arial" pitchFamily="34" charset="0"/>
+                <a:cs typeface="Arial" pitchFamily="34" charset="0"/>
+              </a:rPr>
+              <a:t>signaling</a:t>
+            </a:r>
+            <a:r>
+              <a:rPr lang="en-GB" sz="1200" dirty="0">
+                <a:solidFill>
+                  <a:prstClr val="black"/>
+                </a:solidFill>
+                <a:latin typeface="Arial" pitchFamily="34" charset="0"/>
+                <a:cs typeface="Arial" pitchFamily="34" charset="0"/>
+              </a:rPr>
+              <a:t> via modular edge architecture, enabling low-risk deployment while tackling data latency and sensor issues.</a:t>
             </a:r>
             <a:endParaRPr kumimoji="0" lang="en-US" sz="1200" b="0" i="0" u="none" strike="noStrike" kern="1200" cap="none" spc="0" normalizeH="0" baseline="0" noProof="0" dirty="0">
               <a:ln>
@@ -2863,7 +3012,7 @@
 </p:notes>
 </file>
 
-<file path=ppt/notesSlides/notesSlide4.xml><?xml version="1.0" encoding="utf-8"?>
+<file path=ppt/notesSlides/notesSlide5.xml><?xml version="1.0" encoding="utf-8"?>
 <p:notes xmlns:a="http://schemas.openxmlformats.org/drawingml/2006/main" xmlns:r="http://schemas.openxmlformats.org/officeDocument/2006/relationships" xmlns:p="http://schemas.openxmlformats.org/presentationml/2006/main">
   <p:cSld>
     <p:spTree>
@@ -2945,51 +3094,82 @@
               <a:defRPr/>
             </a:pPr>
             <a:r>
-              <a:rPr kumimoji="0" lang="en-US" sz="1200" b="0" i="0" u="none" strike="noStrike" kern="1200" cap="none" spc="0" normalizeH="0" baseline="0" noProof="0" dirty="0">
-                <a:ln>
-                  <a:noFill/>
-                </a:ln>
-                <a:solidFill>
-                  <a:prstClr val="black"/>
-                </a:solidFill>
-                <a:effectLst/>
-                <a:uLnTx/>
-                <a:uFillTx/>
-                <a:latin typeface="Arial" pitchFamily="34" charset="0"/>
-                <a:ea typeface="ＭＳ Ｐゴシック" pitchFamily="1" charset="-128"/>
-                <a:cs typeface="Arial" pitchFamily="34" charset="0"/>
-              </a:rPr>
-              <a:t>Potential impact on the target audience</a:t>
-            </a:r>
-          </a:p>
-          <a:p>
-            <a:pPr marL="342900" marR="0" lvl="0" indent="-342900" algn="just" defTabSz="457200" rtl="0" eaLnBrk="1" fontAlgn="base" latinLnBrk="0" hangingPunct="1">
-              <a:lnSpc>
-                <a:spcPct val="100000"/>
-              </a:lnSpc>
-              <a:spcBef>
-                <a:spcPct val="0"/>
-              </a:spcBef>
-              <a:spcAft>
-                <a:spcPct val="0"/>
-              </a:spcAft>
-              <a:buClrTx/>
-              <a:buSzTx/>
-              <a:buFont typeface="Arial" panose="020B0604020202020204" pitchFamily="34" charset="0"/>
-              <a:buChar char="•"/>
-              <a:tabLst/>
-              <a:defRPr/>
-            </a:pPr>
-            <a:r>
-              <a:rPr lang="en-US" sz="1200" dirty="0">
+              <a:rPr lang="en-GB" sz="1200" dirty="0">
                 <a:solidFill>
                   <a:prstClr val="black"/>
                 </a:solidFill>
                 <a:latin typeface="Arial" pitchFamily="34" charset="0"/>
                 <a:cs typeface="Arial" pitchFamily="34" charset="0"/>
               </a:rPr>
-              <a:t>Benefits of the solution (social, economic, environmental, etc.)</a:t>
-            </a:r>
+              <a:t>The impact? 92% punctuality, 67% passenger satisfaction surge, 20% reduced emissions, ₹2.8 million revenue boost per section, ₹1.6 million cost savings, and ₹890,000 less in delay </a:t>
+            </a:r>
+            <a:r>
+              <a:rPr lang="en-GB" sz="1200" dirty="0" err="1">
+                <a:solidFill>
+                  <a:prstClr val="black"/>
+                </a:solidFill>
+                <a:latin typeface="Arial" pitchFamily="34" charset="0"/>
+                <a:cs typeface="Arial" pitchFamily="34" charset="0"/>
+              </a:rPr>
+              <a:t>compensations.We</a:t>
+            </a:r>
+            <a:r>
+              <a:rPr lang="en-GB" sz="1200" dirty="0">
+                <a:solidFill>
+                  <a:prstClr val="black"/>
+                </a:solidFill>
+                <a:latin typeface="Arial" pitchFamily="34" charset="0"/>
+                <a:cs typeface="Arial" pitchFamily="34" charset="0"/>
+              </a:rPr>
+              <a:t> manage risks with low-latency protocols, failover mechanisms, and regulatory partnerships. Success hinges on robust systems, operator training, continual monitoring, and algorithm </a:t>
+            </a:r>
+            <a:r>
+              <a:rPr lang="en-GB" sz="1200" dirty="0" err="1">
+                <a:solidFill>
+                  <a:prstClr val="black"/>
+                </a:solidFill>
+                <a:latin typeface="Arial" pitchFamily="34" charset="0"/>
+                <a:cs typeface="Arial" pitchFamily="34" charset="0"/>
+              </a:rPr>
+              <a:t>refinement.With</a:t>
+            </a:r>
+            <a:r>
+              <a:rPr lang="en-GB" sz="1200" dirty="0">
+                <a:solidFill>
+                  <a:prstClr val="black"/>
+                </a:solidFill>
+                <a:latin typeface="Arial" pitchFamily="34" charset="0"/>
+                <a:cs typeface="Arial" pitchFamily="34" charset="0"/>
+              </a:rPr>
+              <a:t> phased pilots yielding ₹50-200 crore in Years 1-2, scaling to 300-800% ROI by Year 5 via PPPs, TRAYA promises full cost recovery in 18-24 months and over ₹5.3 million annual benefits per </a:t>
+            </a:r>
+            <a:r>
+              <a:rPr lang="en-GB" sz="1200" dirty="0" err="1">
+                <a:solidFill>
+                  <a:prstClr val="black"/>
+                </a:solidFill>
+                <a:latin typeface="Arial" pitchFamily="34" charset="0"/>
+                <a:cs typeface="Arial" pitchFamily="34" charset="0"/>
+              </a:rPr>
+              <a:t>route.This</a:t>
+            </a:r>
+            <a:r>
+              <a:rPr lang="en-GB" sz="1200" dirty="0">
+                <a:solidFill>
+                  <a:prstClr val="black"/>
+                </a:solidFill>
+                <a:latin typeface="Arial" pitchFamily="34" charset="0"/>
+                <a:cs typeface="Arial" pitchFamily="34" charset="0"/>
+              </a:rPr>
+              <a:t> isn't just tech—it's India's commitment to commuters and global leadership. Thank you.</a:t>
+            </a:r>
+            <a:endParaRPr lang="en-US" sz="1200" dirty="0">
+              <a:solidFill>
+                <a:prstClr val="black"/>
+              </a:solidFill>
+              <a:latin typeface="Arial" pitchFamily="34" charset="0"/>
+              <a:cs typeface="Arial" pitchFamily="34" charset="0"/>
+            </a:endParaRPr>
           </a:p>
         </p:txBody>
       </p:sp>
@@ -3096,7 +3276,7 @@
 </p:notes>
 </file>
 
-<file path=ppt/notesSlides/notesSlide5.xml><?xml version="1.0" encoding="utf-8"?>
+<file path=ppt/notesSlides/notesSlide6.xml><?xml version="1.0" encoding="utf-8"?>
 <p:notes xmlns:a="http://schemas.openxmlformats.org/drawingml/2006/main" xmlns:r="http://schemas.openxmlformats.org/officeDocument/2006/relationships" xmlns:p="http://schemas.openxmlformats.org/presentationml/2006/main">
   <p:cSld>
     <p:spTree>
@@ -7480,7 +7660,7 @@
           <p:nvPr/>
         </p:nvPicPr>
         <p:blipFill rotWithShape="1">
-          <a:blip r:embed="rId2"/>
+          <a:blip r:embed="rId3"/>
           <a:srcRect r="59916"/>
           <a:stretch/>
         </p:blipFill>
@@ -7712,7 +7892,7 @@
           <p:nvPr/>
         </p:nvPicPr>
         <p:blipFill>
-          <a:blip r:embed="rId3">
+          <a:blip r:embed="rId4">
             <a:extLst>
               <a:ext uri="{28A0092B-C50C-407E-A947-70E740481C1C}">
                 <a14:useLocalDpi xmlns:a14="http://schemas.microsoft.com/office/drawing/2010/main" val="0"/>
@@ -8558,7 +8738,7 @@
         </p:nvSpPr>
         <p:spPr bwMode="auto">
           <a:xfrm>
-            <a:off x="0" y="6354762"/>
+            <a:off x="0" y="6267676"/>
             <a:ext cx="12191999" cy="503238"/>
           </a:xfrm>
           <a:prstGeom prst="rect">
@@ -14441,6 +14621,7 @@
       <p:pic>
         <p:nvPicPr>
           <p:cNvPr id="1030" name="Picture 6">
+            <a:hlinkClick r:id="rId3"/>
             <a:extLst>
               <a:ext uri="{FF2B5EF4-FFF2-40B4-BE49-F238E27FC236}">
                 <a16:creationId xmlns:a16="http://schemas.microsoft.com/office/drawing/2014/main" id="{BA1B0FFB-7998-0DC8-00FB-32C40FB6DDC7}"/>
@@ -14453,7 +14634,7 @@
           <p:nvPr/>
         </p:nvPicPr>
         <p:blipFill>
-          <a:blip r:embed="rId3">
+          <a:blip r:embed="rId4">
             <a:extLst>
               <a:ext uri="{28A0092B-C50C-407E-A947-70E740481C1C}">
                 <a14:useLocalDpi xmlns:a14="http://schemas.microsoft.com/office/drawing/2010/main" val="0"/>
@@ -14488,7 +14669,7 @@
       <p:pic>
         <p:nvPicPr>
           <p:cNvPr id="1028" name="Picture 4">
-            <a:hlinkClick r:id="rId4"/>
+            <a:hlinkClick r:id="rId5"/>
             <a:extLst>
               <a:ext uri="{FF2B5EF4-FFF2-40B4-BE49-F238E27FC236}">
                 <a16:creationId xmlns:a16="http://schemas.microsoft.com/office/drawing/2014/main" id="{3567B688-D980-B0A4-FD32-20C0F07BCBD5}"/>
@@ -14501,7 +14682,7 @@
           <p:nvPr/>
         </p:nvPicPr>
         <p:blipFill>
-          <a:blip r:embed="rId5">
+          <a:blip r:embed="rId6">
             <a:extLst>
               <a:ext uri="{28A0092B-C50C-407E-A947-70E740481C1C}">
                 <a14:useLocalDpi xmlns:a14="http://schemas.microsoft.com/office/drawing/2010/main" val="0"/>
@@ -14536,7 +14717,7 @@
       <p:pic>
         <p:nvPicPr>
           <p:cNvPr id="1026" name="Picture 2">
-            <a:hlinkClick r:id="rId6"/>
+            <a:hlinkClick r:id="rId7"/>
             <a:extLst>
               <a:ext uri="{FF2B5EF4-FFF2-40B4-BE49-F238E27FC236}">
                 <a16:creationId xmlns:a16="http://schemas.microsoft.com/office/drawing/2014/main" id="{1B170C5B-14DA-CA55-3117-B167F8416D26}"/>
@@ -14549,7 +14730,7 @@
           <p:nvPr/>
         </p:nvPicPr>
         <p:blipFill>
-          <a:blip r:embed="rId7">
+          <a:blip r:embed="rId8">
             <a:extLst>
               <a:ext uri="{28A0092B-C50C-407E-A947-70E740481C1C}">
                 <a14:useLocalDpi xmlns:a14="http://schemas.microsoft.com/office/drawing/2010/main" val="0"/>
@@ -14887,7 +15068,7 @@
           <p:nvPr/>
         </p:nvPicPr>
         <p:blipFill>
-          <a:blip r:embed="rId8">
+          <a:blip r:embed="rId9">
             <a:extLst>
               <a:ext uri="{28A0092B-C50C-407E-A947-70E740481C1C}">
                 <a14:useLocalDpi xmlns:a14="http://schemas.microsoft.com/office/drawing/2010/main" val="0"/>
@@ -14922,39 +15103,10 @@
       <p:pic>
         <p:nvPicPr>
           <p:cNvPr id="3" name="Picture 2">
+            <a:hlinkClick r:id="rId7"/>
             <a:extLst>
               <a:ext uri="{FF2B5EF4-FFF2-40B4-BE49-F238E27FC236}">
                 <a16:creationId xmlns:a16="http://schemas.microsoft.com/office/drawing/2014/main" id="{8C31B53B-8D5B-B389-9259-A40005610615}"/>
-              </a:ext>
-            </a:extLst>
-          </p:cNvPr>
-          <p:cNvPicPr>
-            <a:picLocks noChangeAspect="1"/>
-          </p:cNvPicPr>
-          <p:nvPr/>
-        </p:nvPicPr>
-        <p:blipFill>
-          <a:blip r:embed="rId9"/>
-          <a:stretch>
-            <a:fillRect/>
-          </a:stretch>
-        </p:blipFill>
-        <p:spPr>
-          <a:xfrm>
-            <a:off x="2960913" y="5461816"/>
-            <a:ext cx="728011" cy="728011"/>
-          </a:xfrm>
-          <a:prstGeom prst="rect">
-            <a:avLst/>
-          </a:prstGeom>
-        </p:spPr>
-      </p:pic>
-      <p:pic>
-        <p:nvPicPr>
-          <p:cNvPr id="5" name="Picture 4">
-            <a:extLst>
-              <a:ext uri="{FF2B5EF4-FFF2-40B4-BE49-F238E27FC236}">
-                <a16:creationId xmlns:a16="http://schemas.microsoft.com/office/drawing/2014/main" id="{E5CBF9C3-C30B-95BE-6ECA-71E487DAF26B}"/>
               </a:ext>
             </a:extLst>
           </p:cNvPr>
@@ -14971,6 +15123,37 @@
         </p:blipFill>
         <p:spPr>
           <a:xfrm>
+            <a:off x="2960913" y="5461816"/>
+            <a:ext cx="728011" cy="728011"/>
+          </a:xfrm>
+          <a:prstGeom prst="rect">
+            <a:avLst/>
+          </a:prstGeom>
+        </p:spPr>
+      </p:pic>
+      <p:pic>
+        <p:nvPicPr>
+          <p:cNvPr id="5" name="Picture 4">
+            <a:hlinkClick r:id="rId5"/>
+            <a:extLst>
+              <a:ext uri="{FF2B5EF4-FFF2-40B4-BE49-F238E27FC236}">
+                <a16:creationId xmlns:a16="http://schemas.microsoft.com/office/drawing/2014/main" id="{E5CBF9C3-C30B-95BE-6ECA-71E487DAF26B}"/>
+              </a:ext>
+            </a:extLst>
+          </p:cNvPr>
+          <p:cNvPicPr>
+            <a:picLocks noChangeAspect="1"/>
+          </p:cNvPicPr>
+          <p:nvPr/>
+        </p:nvPicPr>
+        <p:blipFill>
+          <a:blip r:embed="rId11"/>
+          <a:stretch>
+            <a:fillRect/>
+          </a:stretch>
+        </p:blipFill>
+        <p:spPr>
+          <a:xfrm>
             <a:off x="6638950" y="5429159"/>
             <a:ext cx="728011" cy="728011"/>
           </a:xfrm>
@@ -15054,6 +15237,7 @@
       <p:pic>
         <p:nvPicPr>
           <p:cNvPr id="14" name="Picture 13">
+            <a:hlinkClick r:id="rId3"/>
             <a:extLst>
               <a:ext uri="{FF2B5EF4-FFF2-40B4-BE49-F238E27FC236}">
                 <a16:creationId xmlns:a16="http://schemas.microsoft.com/office/drawing/2014/main" id="{8E8B3E4C-D02C-CA73-78C4-5281CB3CD29F}"/>
@@ -15066,7 +15250,7 @@
           <p:nvPr/>
         </p:nvPicPr>
         <p:blipFill>
-          <a:blip r:embed="rId11"/>
+          <a:blip r:embed="rId12"/>
           <a:stretch>
             <a:fillRect/>
           </a:stretch>

--- a/SIH_PITCH.pptx
+++ b/SIH_PITCH.pptx
@@ -2283,12 +2283,299 @@
             <a:prstTxWarp prst="textNoShape">
               <a:avLst/>
             </a:prstTxWarp>
+            <a:normAutofit fontScale="92500" lnSpcReduction="10000"/>
           </a:bodyPr>
           <a:lstStyle/>
           <a:p>
-            <a:pPr marL="342900" indent="-342900" algn="just">
+            <a:r>
+              <a:rPr lang="en-IN" b="1" dirty="0"/>
+              <a:t>Use PyTorch as the primary DL framework, because:</a:t>
+            </a:r>
+            <a:endParaRPr lang="en-IN" dirty="0"/>
+          </a:p>
+          <a:p>
+            <a:r>
+              <a:rPr lang="en-IN" dirty="0"/>
+              <a:t>Easier prototyping &amp; debugging (ideal for hackathon speed).</a:t>
+            </a:r>
+          </a:p>
+          <a:p>
+            <a:r>
+              <a:rPr lang="en-IN" dirty="0"/>
+              <a:t>Strong support for </a:t>
+            </a:r>
+            <a:r>
+              <a:rPr lang="en-IN" b="1" dirty="0"/>
+              <a:t>YOLO-based CV models</a:t>
+            </a:r>
+            <a:r>
+              <a:rPr lang="en-IN" dirty="0"/>
+              <a:t> (fastener/sleeper/defect detection).</a:t>
+            </a:r>
+          </a:p>
+          <a:p>
+            <a:r>
+              <a:rPr lang="en-IN" dirty="0"/>
+              <a:t>PyTorch Lightning makes training/experimentation faster.</a:t>
+            </a:r>
+          </a:p>
+          <a:p>
+            <a:r>
+              <a:rPr lang="en-IN" dirty="0"/>
+              <a:t>Hugging Face + PyTorch integration is smoother for pre-trained models.</a:t>
+            </a:r>
+          </a:p>
+          <a:p>
+            <a:pPr marL="0" indent="0" algn="just">
               <a:buFont typeface="Arial" panose="020B0604020202020204" pitchFamily="34" charset="0"/>
-              <a:buChar char="•"/>
+              <a:buNone/>
+            </a:pPr>
+            <a:endParaRPr lang="en-US" dirty="0">
+              <a:ea typeface="ＭＳ Ｐゴシック" pitchFamily="1" charset="-128"/>
+            </a:endParaRPr>
+          </a:p>
+          <a:p>
+            <a:r>
+              <a:rPr lang="en-IN" b="1" dirty="0"/>
+              <a:t>Use TensorFlow Lite for deployment (especially on edge/IoT devices):</a:t>
+            </a:r>
+            <a:endParaRPr lang="en-IN" dirty="0"/>
+          </a:p>
+          <a:p>
+            <a:r>
+              <a:rPr lang="en-IN" dirty="0"/>
+              <a:t>TF Lite runs efficiently on </a:t>
+            </a:r>
+            <a:r>
+              <a:rPr lang="en-IN" b="1" dirty="0"/>
+              <a:t>Jetson Nano, Raspberry Pi, smartphones</a:t>
+            </a:r>
+            <a:r>
+              <a:rPr lang="en-IN" dirty="0"/>
+              <a:t>.</a:t>
+            </a:r>
+          </a:p>
+          <a:p>
+            <a:r>
+              <a:rPr lang="en-IN" dirty="0"/>
+              <a:t>Good for real-time inference with low compute.</a:t>
+            </a:r>
+          </a:p>
+          <a:p>
+            <a:r>
+              <a:rPr lang="en-IN" dirty="0"/>
+              <a:t>Lightweight → ensures passengers’ ticket-ID tracking + anomaly detection work live.</a:t>
+            </a:r>
+          </a:p>
+          <a:p>
+            <a:pPr marL="0" indent="0" algn="just">
+              <a:buFont typeface="Arial" panose="020B0604020202020204" pitchFamily="34" charset="0"/>
+              <a:buNone/>
+            </a:pPr>
+            <a:endParaRPr lang="en-US" dirty="0">
+              <a:ea typeface="ＭＳ Ｐゴシック" pitchFamily="1" charset="-128"/>
+            </a:endParaRPr>
+          </a:p>
+          <a:p>
+            <a:pPr marL="0" indent="0" algn="just">
+              <a:buFont typeface="Arial" panose="020B0604020202020204" pitchFamily="34" charset="0"/>
+              <a:buNone/>
+            </a:pPr>
+            <a:r>
+              <a:rPr lang="en-GB" dirty="0"/>
+              <a:t>these </a:t>
+            </a:r>
+            <a:r>
+              <a:rPr lang="en-GB" dirty="0" err="1"/>
+              <a:t>api</a:t>
+            </a:r>
+            <a:r>
+              <a:rPr lang="en-GB" dirty="0"/>
+              <a:t> handle </a:t>
+            </a:r>
+            <a:r>
+              <a:rPr lang="en-GB" b="1" dirty="0">
+                <a:effectLst/>
+              </a:rPr>
+              <a:t>ticket-ID queries</a:t>
+            </a:r>
+            <a:r>
+              <a:rPr lang="en-GB" dirty="0"/>
+              <a:t>, </a:t>
+            </a:r>
+            <a:r>
+              <a:rPr lang="en-GB" b="1" dirty="0">
+                <a:effectLst/>
+              </a:rPr>
+              <a:t>train status requests</a:t>
+            </a:r>
+            <a:r>
+              <a:rPr lang="en-GB" dirty="0"/>
+              <a:t>, and integrate external data sources like NTES/IRCTC.</a:t>
+            </a:r>
+          </a:p>
+          <a:p>
+            <a:r>
+              <a:rPr lang="en-IN" b="1" dirty="0"/>
+              <a:t>Django</a:t>
+            </a:r>
+            <a:r>
+              <a:rPr lang="en-IN" dirty="0"/>
+              <a:t> powers our </a:t>
+            </a:r>
+            <a:r>
+              <a:rPr lang="en-IN" b="1" dirty="0"/>
+              <a:t>operator + passenger dashboards</a:t>
+            </a:r>
+            <a:r>
+              <a:rPr lang="en-IN" dirty="0"/>
+              <a:t>.</a:t>
+            </a:r>
+          </a:p>
+          <a:p>
+            <a:r>
+              <a:rPr lang="en-IN" dirty="0"/>
+              <a:t>Handles </a:t>
+            </a:r>
+            <a:r>
+              <a:rPr lang="en-IN" b="1" dirty="0"/>
+              <a:t>authentication, analytics, and report generation</a:t>
+            </a:r>
+            <a:r>
+              <a:rPr lang="en-IN" dirty="0"/>
+              <a:t>.</a:t>
+            </a:r>
+          </a:p>
+          <a:p>
+            <a:r>
+              <a:rPr lang="en-IN" dirty="0"/>
+              <a:t>Provides ORM mapping → direct link to PostgreSQL for structured data</a:t>
+            </a:r>
+          </a:p>
+          <a:p>
+            <a:pPr marL="0" indent="0" algn="just">
+              <a:buFont typeface="Arial" panose="020B0604020202020204" pitchFamily="34" charset="0"/>
+              <a:buNone/>
+            </a:pPr>
+            <a:endParaRPr lang="en-US" dirty="0">
+              <a:ea typeface="ＭＳ Ｐゴシック" pitchFamily="1" charset="-128"/>
+            </a:endParaRPr>
+          </a:p>
+          <a:p>
+            <a:r>
+              <a:rPr lang="en-GB" b="1" dirty="0"/>
+              <a:t>Redis for Real-Time Caching</a:t>
+            </a:r>
+          </a:p>
+          <a:p>
+            <a:r>
+              <a:rPr lang="en-GB" dirty="0"/>
+              <a:t>Train data changes every second → Redis ensures </a:t>
+            </a:r>
+            <a:r>
+              <a:rPr lang="en-GB" b="1" dirty="0"/>
+              <a:t>fast, real-time caching</a:t>
+            </a:r>
+            <a:r>
+              <a:rPr lang="en-GB" dirty="0"/>
+              <a:t>.</a:t>
+            </a:r>
+          </a:p>
+          <a:p>
+            <a:endParaRPr lang="en-GB" dirty="0"/>
+          </a:p>
+          <a:p>
+            <a:r>
+              <a:rPr lang="en-IN" b="1" dirty="0"/>
+              <a:t>Multi-source input</a:t>
+            </a:r>
+            <a:r>
+              <a:rPr lang="en-IN" dirty="0"/>
+              <a:t>: GPS (train location), Axle Encoder (chainage mapping), IoT sensors (IMU, accelerometer), APIs (NTES/IRCTC).</a:t>
+            </a:r>
+          </a:p>
+          <a:p>
+            <a:r>
+              <a:rPr lang="en-IN" b="1" dirty="0"/>
+              <a:t>Time Synchronization</a:t>
+            </a:r>
+            <a:r>
+              <a:rPr lang="en-IN" dirty="0"/>
+              <a:t>: Every data point is timestamped (PTP/GPS sync) → ensures accuracy for scheduling.</a:t>
+            </a:r>
+          </a:p>
+          <a:p>
+            <a:r>
+              <a:rPr lang="en-IN" b="1" dirty="0"/>
+              <a:t>Pre-processing</a:t>
+            </a:r>
+            <a:r>
+              <a:rPr lang="en-IN" dirty="0"/>
+              <a:t>: Noise filtering, cleaning, data normalization before feeding into ML models.</a:t>
+            </a:r>
+          </a:p>
+          <a:p>
+            <a:r>
+              <a:rPr lang="en-IN" b="1" dirty="0"/>
+              <a:t>Streaming Pipeline</a:t>
+            </a:r>
+            <a:r>
+              <a:rPr lang="en-IN" dirty="0"/>
+              <a:t>: Kafka/RabbitMQ (optional in future) → for continuous real-time ingestion.</a:t>
+            </a:r>
+          </a:p>
+          <a:p>
+            <a:r>
+              <a:rPr lang="en-IN" b="1" dirty="0"/>
+              <a:t>Edge Processing</a:t>
+            </a:r>
+            <a:r>
+              <a:rPr lang="en-IN" dirty="0"/>
+              <a:t>: Some data filtered/stored on IoT devices (Jetson, Pi) before sending to cloud/server → reduces bandwidth.</a:t>
+            </a:r>
+          </a:p>
+          <a:p>
+            <a:r>
+              <a:rPr lang="en-IN" b="1" dirty="0"/>
+              <a:t>Fail-Safe Design</a:t>
+            </a:r>
+            <a:r>
+              <a:rPr lang="en-IN" dirty="0"/>
+              <a:t>: </a:t>
+            </a:r>
+            <a:r>
+              <a:rPr lang="en-IN" dirty="0" err="1"/>
+              <a:t>NVMe</a:t>
+            </a:r>
+            <a:r>
+              <a:rPr lang="en-IN" dirty="0"/>
+              <a:t> buffer storage if network drops → no data loss.</a:t>
+            </a:r>
+          </a:p>
+          <a:p>
+            <a:r>
+              <a:rPr lang="en-IN" b="1" dirty="0"/>
+              <a:t>API Integration</a:t>
+            </a:r>
+            <a:r>
+              <a:rPr lang="en-IN" dirty="0"/>
+              <a:t>: Standardized formats (CSV, JSON, XML) for smooth transfer between layers.</a:t>
+            </a:r>
+          </a:p>
+          <a:p>
+            <a:endParaRPr lang="en-GB" dirty="0"/>
+          </a:p>
+          <a:p>
+            <a:r>
+              <a:rPr lang="en-IN" dirty="0"/>
+              <a:t>IoT devices collect → Data Ingestion Layer cleans &amp; syncs → API layer exposes → Redis caches → PostgreSQL stores → Django dashboard shows → ML engine optimizes → Passengers/operators see live results.</a:t>
+            </a:r>
+            <a:endParaRPr lang="en-GB" dirty="0"/>
+          </a:p>
+          <a:p>
+            <a:pPr marL="0" indent="0" algn="just">
+              <a:buFont typeface="Arial" panose="020B0604020202020204" pitchFamily="34" charset="0"/>
+              <a:buNone/>
             </a:pPr>
             <a:endParaRPr lang="en-US" dirty="0">
               <a:ea typeface="ＭＳ Ｐゴシック" pitchFamily="1" charset="-128"/>
@@ -3161,7 +3448,7 @@
                 <a:latin typeface="Arial" pitchFamily="34" charset="0"/>
                 <a:cs typeface="Arial" pitchFamily="34" charset="0"/>
               </a:rPr>
-              <a:t> isn't just tech—it's India's commitment to commuters and global leadership. Thank you.</a:t>
+              <a:t> isn't just tech—it's India's commitment to commuters and global leadership.</a:t>
             </a:r>
             <a:endParaRPr lang="en-US" sz="1200" dirty="0">
               <a:solidFill>

--- a/SIH_PITCH.pptx
+++ b/SIH_PITCH.pptx
@@ -2283,299 +2283,12 @@
             <a:prstTxWarp prst="textNoShape">
               <a:avLst/>
             </a:prstTxWarp>
-            <a:normAutofit fontScale="92500" lnSpcReduction="10000"/>
           </a:bodyPr>
           <a:lstStyle/>
           <a:p>
-            <a:r>
-              <a:rPr lang="en-IN" b="1" dirty="0"/>
-              <a:t>Use PyTorch as the primary DL framework, because:</a:t>
-            </a:r>
-            <a:endParaRPr lang="en-IN" dirty="0"/>
-          </a:p>
-          <a:p>
-            <a:r>
-              <a:rPr lang="en-IN" dirty="0"/>
-              <a:t>Easier prototyping &amp; debugging (ideal for hackathon speed).</a:t>
-            </a:r>
-          </a:p>
-          <a:p>
-            <a:r>
-              <a:rPr lang="en-IN" dirty="0"/>
-              <a:t>Strong support for </a:t>
-            </a:r>
-            <a:r>
-              <a:rPr lang="en-IN" b="1" dirty="0"/>
-              <a:t>YOLO-based CV models</a:t>
-            </a:r>
-            <a:r>
-              <a:rPr lang="en-IN" dirty="0"/>
-              <a:t> (fastener/sleeper/defect detection).</a:t>
-            </a:r>
-          </a:p>
-          <a:p>
-            <a:r>
-              <a:rPr lang="en-IN" dirty="0"/>
-              <a:t>PyTorch Lightning makes training/experimentation faster.</a:t>
-            </a:r>
-          </a:p>
-          <a:p>
-            <a:r>
-              <a:rPr lang="en-IN" dirty="0"/>
-              <a:t>Hugging Face + PyTorch integration is smoother for pre-trained models.</a:t>
-            </a:r>
-          </a:p>
-          <a:p>
-            <a:pPr marL="0" indent="0" algn="just">
+            <a:pPr marL="342900" indent="-342900" algn="just">
               <a:buFont typeface="Arial" panose="020B0604020202020204" pitchFamily="34" charset="0"/>
-              <a:buNone/>
-            </a:pPr>
-            <a:endParaRPr lang="en-US" dirty="0">
-              <a:ea typeface="ＭＳ Ｐゴシック" pitchFamily="1" charset="-128"/>
-            </a:endParaRPr>
-          </a:p>
-          <a:p>
-            <a:r>
-              <a:rPr lang="en-IN" b="1" dirty="0"/>
-              <a:t>Use TensorFlow Lite for deployment (especially on edge/IoT devices):</a:t>
-            </a:r>
-            <a:endParaRPr lang="en-IN" dirty="0"/>
-          </a:p>
-          <a:p>
-            <a:r>
-              <a:rPr lang="en-IN" dirty="0"/>
-              <a:t>TF Lite runs efficiently on </a:t>
-            </a:r>
-            <a:r>
-              <a:rPr lang="en-IN" b="1" dirty="0"/>
-              <a:t>Jetson Nano, Raspberry Pi, smartphones</a:t>
-            </a:r>
-            <a:r>
-              <a:rPr lang="en-IN" dirty="0"/>
-              <a:t>.</a:t>
-            </a:r>
-          </a:p>
-          <a:p>
-            <a:r>
-              <a:rPr lang="en-IN" dirty="0"/>
-              <a:t>Good for real-time inference with low compute.</a:t>
-            </a:r>
-          </a:p>
-          <a:p>
-            <a:r>
-              <a:rPr lang="en-IN" dirty="0"/>
-              <a:t>Lightweight → ensures passengers’ ticket-ID tracking + anomaly detection work live.</a:t>
-            </a:r>
-          </a:p>
-          <a:p>
-            <a:pPr marL="0" indent="0" algn="just">
-              <a:buFont typeface="Arial" panose="020B0604020202020204" pitchFamily="34" charset="0"/>
-              <a:buNone/>
-            </a:pPr>
-            <a:endParaRPr lang="en-US" dirty="0">
-              <a:ea typeface="ＭＳ Ｐゴシック" pitchFamily="1" charset="-128"/>
-            </a:endParaRPr>
-          </a:p>
-          <a:p>
-            <a:pPr marL="0" indent="0" algn="just">
-              <a:buFont typeface="Arial" panose="020B0604020202020204" pitchFamily="34" charset="0"/>
-              <a:buNone/>
-            </a:pPr>
-            <a:r>
-              <a:rPr lang="en-GB" dirty="0"/>
-              <a:t>these </a:t>
-            </a:r>
-            <a:r>
-              <a:rPr lang="en-GB" dirty="0" err="1"/>
-              <a:t>api</a:t>
-            </a:r>
-            <a:r>
-              <a:rPr lang="en-GB" dirty="0"/>
-              <a:t> handle </a:t>
-            </a:r>
-            <a:r>
-              <a:rPr lang="en-GB" b="1" dirty="0">
-                <a:effectLst/>
-              </a:rPr>
-              <a:t>ticket-ID queries</a:t>
-            </a:r>
-            <a:r>
-              <a:rPr lang="en-GB" dirty="0"/>
-              <a:t>, </a:t>
-            </a:r>
-            <a:r>
-              <a:rPr lang="en-GB" b="1" dirty="0">
-                <a:effectLst/>
-              </a:rPr>
-              <a:t>train status requests</a:t>
-            </a:r>
-            <a:r>
-              <a:rPr lang="en-GB" dirty="0"/>
-              <a:t>, and integrate external data sources like NTES/IRCTC.</a:t>
-            </a:r>
-          </a:p>
-          <a:p>
-            <a:r>
-              <a:rPr lang="en-IN" b="1" dirty="0"/>
-              <a:t>Django</a:t>
-            </a:r>
-            <a:r>
-              <a:rPr lang="en-IN" dirty="0"/>
-              <a:t> powers our </a:t>
-            </a:r>
-            <a:r>
-              <a:rPr lang="en-IN" b="1" dirty="0"/>
-              <a:t>operator + passenger dashboards</a:t>
-            </a:r>
-            <a:r>
-              <a:rPr lang="en-IN" dirty="0"/>
-              <a:t>.</a:t>
-            </a:r>
-          </a:p>
-          <a:p>
-            <a:r>
-              <a:rPr lang="en-IN" dirty="0"/>
-              <a:t>Handles </a:t>
-            </a:r>
-            <a:r>
-              <a:rPr lang="en-IN" b="1" dirty="0"/>
-              <a:t>authentication, analytics, and report generation</a:t>
-            </a:r>
-            <a:r>
-              <a:rPr lang="en-IN" dirty="0"/>
-              <a:t>.</a:t>
-            </a:r>
-          </a:p>
-          <a:p>
-            <a:r>
-              <a:rPr lang="en-IN" dirty="0"/>
-              <a:t>Provides ORM mapping → direct link to PostgreSQL for structured data</a:t>
-            </a:r>
-          </a:p>
-          <a:p>
-            <a:pPr marL="0" indent="0" algn="just">
-              <a:buFont typeface="Arial" panose="020B0604020202020204" pitchFamily="34" charset="0"/>
-              <a:buNone/>
-            </a:pPr>
-            <a:endParaRPr lang="en-US" dirty="0">
-              <a:ea typeface="ＭＳ Ｐゴシック" pitchFamily="1" charset="-128"/>
-            </a:endParaRPr>
-          </a:p>
-          <a:p>
-            <a:r>
-              <a:rPr lang="en-GB" b="1" dirty="0"/>
-              <a:t>Redis for Real-Time Caching</a:t>
-            </a:r>
-          </a:p>
-          <a:p>
-            <a:r>
-              <a:rPr lang="en-GB" dirty="0"/>
-              <a:t>Train data changes every second → Redis ensures </a:t>
-            </a:r>
-            <a:r>
-              <a:rPr lang="en-GB" b="1" dirty="0"/>
-              <a:t>fast, real-time caching</a:t>
-            </a:r>
-            <a:r>
-              <a:rPr lang="en-GB" dirty="0"/>
-              <a:t>.</a:t>
-            </a:r>
-          </a:p>
-          <a:p>
-            <a:endParaRPr lang="en-GB" dirty="0"/>
-          </a:p>
-          <a:p>
-            <a:r>
-              <a:rPr lang="en-IN" b="1" dirty="0"/>
-              <a:t>Multi-source input</a:t>
-            </a:r>
-            <a:r>
-              <a:rPr lang="en-IN" dirty="0"/>
-              <a:t>: GPS (train location), Axle Encoder (chainage mapping), IoT sensors (IMU, accelerometer), APIs (NTES/IRCTC).</a:t>
-            </a:r>
-          </a:p>
-          <a:p>
-            <a:r>
-              <a:rPr lang="en-IN" b="1" dirty="0"/>
-              <a:t>Time Synchronization</a:t>
-            </a:r>
-            <a:r>
-              <a:rPr lang="en-IN" dirty="0"/>
-              <a:t>: Every data point is timestamped (PTP/GPS sync) → ensures accuracy for scheduling.</a:t>
-            </a:r>
-          </a:p>
-          <a:p>
-            <a:r>
-              <a:rPr lang="en-IN" b="1" dirty="0"/>
-              <a:t>Pre-processing</a:t>
-            </a:r>
-            <a:r>
-              <a:rPr lang="en-IN" dirty="0"/>
-              <a:t>: Noise filtering, cleaning, data normalization before feeding into ML models.</a:t>
-            </a:r>
-          </a:p>
-          <a:p>
-            <a:r>
-              <a:rPr lang="en-IN" b="1" dirty="0"/>
-              <a:t>Streaming Pipeline</a:t>
-            </a:r>
-            <a:r>
-              <a:rPr lang="en-IN" dirty="0"/>
-              <a:t>: Kafka/RabbitMQ (optional in future) → for continuous real-time ingestion.</a:t>
-            </a:r>
-          </a:p>
-          <a:p>
-            <a:r>
-              <a:rPr lang="en-IN" b="1" dirty="0"/>
-              <a:t>Edge Processing</a:t>
-            </a:r>
-            <a:r>
-              <a:rPr lang="en-IN" dirty="0"/>
-              <a:t>: Some data filtered/stored on IoT devices (Jetson, Pi) before sending to cloud/server → reduces bandwidth.</a:t>
-            </a:r>
-          </a:p>
-          <a:p>
-            <a:r>
-              <a:rPr lang="en-IN" b="1" dirty="0"/>
-              <a:t>Fail-Safe Design</a:t>
-            </a:r>
-            <a:r>
-              <a:rPr lang="en-IN" dirty="0"/>
-              <a:t>: </a:t>
-            </a:r>
-            <a:r>
-              <a:rPr lang="en-IN" dirty="0" err="1"/>
-              <a:t>NVMe</a:t>
-            </a:r>
-            <a:r>
-              <a:rPr lang="en-IN" dirty="0"/>
-              <a:t> buffer storage if network drops → no data loss.</a:t>
-            </a:r>
-          </a:p>
-          <a:p>
-            <a:r>
-              <a:rPr lang="en-IN" b="1" dirty="0"/>
-              <a:t>API Integration</a:t>
-            </a:r>
-            <a:r>
-              <a:rPr lang="en-IN" dirty="0"/>
-              <a:t>: Standardized formats (CSV, JSON, XML) for smooth transfer between layers.</a:t>
-            </a:r>
-          </a:p>
-          <a:p>
-            <a:endParaRPr lang="en-GB" dirty="0"/>
-          </a:p>
-          <a:p>
-            <a:r>
-              <a:rPr lang="en-IN" dirty="0"/>
-              <a:t>IoT devices collect → Data Ingestion Layer cleans &amp; syncs → API layer exposes → Redis caches → PostgreSQL stores → Django dashboard shows → ML engine optimizes → Passengers/operators see live results.</a:t>
-            </a:r>
-            <a:endParaRPr lang="en-GB" dirty="0"/>
-          </a:p>
-          <a:p>
-            <a:pPr marL="0" indent="0" algn="just">
-              <a:buFont typeface="Arial" panose="020B0604020202020204" pitchFamily="34" charset="0"/>
-              <a:buNone/>
+              <a:buChar char="•"/>
             </a:pPr>
             <a:endParaRPr lang="en-US" dirty="0">
               <a:ea typeface="ＭＳ Ｐゴシック" pitchFamily="1" charset="-128"/>
@@ -3448,7 +3161,7 @@
                 <a:latin typeface="Arial" pitchFamily="34" charset="0"/>
                 <a:cs typeface="Arial" pitchFamily="34" charset="0"/>
               </a:rPr>
-              <a:t> isn't just tech—it's India's commitment to commuters and global leadership.</a:t>
+              <a:t> isn't just tech—it's India's commitment to commuters and global leadership. Thank you.</a:t>
             </a:r>
             <a:endParaRPr lang="en-US" sz="1200" dirty="0">
               <a:solidFill>
